--- a/src/main/webapp/TimeRec.pptx
+++ b/src/main/webapp/TimeRec.pptx
@@ -244,7 +244,7 @@
           <a:p>
             <a:fld id="{369B22A5-30E4-45FA-9C35-0A53E2812B5C}" type="datetimeFigureOut">
               <a:rPr lang="ru-RU" smtClean="0"/>
-              <a:t>25.05.2020</a:t>
+              <a:t>02.06.2020</a:t>
             </a:fld>
             <a:endParaRPr lang="ru-RU"/>
           </a:p>
@@ -414,7 +414,7 @@
           <a:p>
             <a:fld id="{369B22A5-30E4-45FA-9C35-0A53E2812B5C}" type="datetimeFigureOut">
               <a:rPr lang="ru-RU" smtClean="0"/>
-              <a:t>25.05.2020</a:t>
+              <a:t>02.06.2020</a:t>
             </a:fld>
             <a:endParaRPr lang="ru-RU"/>
           </a:p>
@@ -594,7 +594,7 @@
           <a:p>
             <a:fld id="{369B22A5-30E4-45FA-9C35-0A53E2812B5C}" type="datetimeFigureOut">
               <a:rPr lang="ru-RU" smtClean="0"/>
-              <a:t>25.05.2020</a:t>
+              <a:t>02.06.2020</a:t>
             </a:fld>
             <a:endParaRPr lang="ru-RU"/>
           </a:p>
@@ -764,7 +764,7 @@
           <a:p>
             <a:fld id="{369B22A5-30E4-45FA-9C35-0A53E2812B5C}" type="datetimeFigureOut">
               <a:rPr lang="ru-RU" smtClean="0"/>
-              <a:t>25.05.2020</a:t>
+              <a:t>02.06.2020</a:t>
             </a:fld>
             <a:endParaRPr lang="ru-RU"/>
           </a:p>
@@ -1010,7 +1010,7 @@
           <a:p>
             <a:fld id="{369B22A5-30E4-45FA-9C35-0A53E2812B5C}" type="datetimeFigureOut">
               <a:rPr lang="ru-RU" smtClean="0"/>
-              <a:t>25.05.2020</a:t>
+              <a:t>02.06.2020</a:t>
             </a:fld>
             <a:endParaRPr lang="ru-RU"/>
           </a:p>
@@ -1242,7 +1242,7 @@
           <a:p>
             <a:fld id="{369B22A5-30E4-45FA-9C35-0A53E2812B5C}" type="datetimeFigureOut">
               <a:rPr lang="ru-RU" smtClean="0"/>
-              <a:t>25.05.2020</a:t>
+              <a:t>02.06.2020</a:t>
             </a:fld>
             <a:endParaRPr lang="ru-RU"/>
           </a:p>
@@ -1609,7 +1609,7 @@
           <a:p>
             <a:fld id="{369B22A5-30E4-45FA-9C35-0A53E2812B5C}" type="datetimeFigureOut">
               <a:rPr lang="ru-RU" smtClean="0"/>
-              <a:t>25.05.2020</a:t>
+              <a:t>02.06.2020</a:t>
             </a:fld>
             <a:endParaRPr lang="ru-RU"/>
           </a:p>
@@ -1727,7 +1727,7 @@
           <a:p>
             <a:fld id="{369B22A5-30E4-45FA-9C35-0A53E2812B5C}" type="datetimeFigureOut">
               <a:rPr lang="ru-RU" smtClean="0"/>
-              <a:t>25.05.2020</a:t>
+              <a:t>02.06.2020</a:t>
             </a:fld>
             <a:endParaRPr lang="ru-RU"/>
           </a:p>
@@ -1822,7 +1822,7 @@
           <a:p>
             <a:fld id="{369B22A5-30E4-45FA-9C35-0A53E2812B5C}" type="datetimeFigureOut">
               <a:rPr lang="ru-RU" smtClean="0"/>
-              <a:t>25.05.2020</a:t>
+              <a:t>02.06.2020</a:t>
             </a:fld>
             <a:endParaRPr lang="ru-RU"/>
           </a:p>
@@ -2099,7 +2099,7 @@
           <a:p>
             <a:fld id="{369B22A5-30E4-45FA-9C35-0A53E2812B5C}" type="datetimeFigureOut">
               <a:rPr lang="ru-RU" smtClean="0"/>
-              <a:t>25.05.2020</a:t>
+              <a:t>02.06.2020</a:t>
             </a:fld>
             <a:endParaRPr lang="ru-RU"/>
           </a:p>
@@ -2352,7 +2352,7 @@
           <a:p>
             <a:fld id="{369B22A5-30E4-45FA-9C35-0A53E2812B5C}" type="datetimeFigureOut">
               <a:rPr lang="ru-RU" smtClean="0"/>
-              <a:t>25.05.2020</a:t>
+              <a:t>02.06.2020</a:t>
             </a:fld>
             <a:endParaRPr lang="ru-RU"/>
           </a:p>
@@ -2565,7 +2565,7 @@
           <a:p>
             <a:fld id="{369B22A5-30E4-45FA-9C35-0A53E2812B5C}" type="datetimeFigureOut">
               <a:rPr lang="ru-RU" smtClean="0"/>
-              <a:t>25.05.2020</a:t>
+              <a:t>02.06.2020</a:t>
             </a:fld>
             <a:endParaRPr lang="ru-RU"/>
           </a:p>
@@ -3732,14 +3732,14 @@
           <p:nvPr>
             <p:extLst>
               <p:ext uri="{D42A27DB-BD31-4B8C-83A1-F6EECF244321}">
-                <p14:modId xmlns:p14="http://schemas.microsoft.com/office/powerpoint/2010/main" val="2646674885"/>
+                <p14:modId xmlns:p14="http://schemas.microsoft.com/office/powerpoint/2010/main" val="2376078594"/>
               </p:ext>
             </p:extLst>
           </p:nvPr>
         </p:nvGraphicFramePr>
         <p:xfrm>
           <a:off x="2513692" y="1098860"/>
-          <a:ext cx="1451430" cy="2438400"/>
+          <a:ext cx="1451430" cy="1706880"/>
         </p:xfrm>
         <a:graphic>
           <a:graphicData uri="http://schemas.openxmlformats.org/drawingml/2006/table">
@@ -4021,111 +4021,6 @@
                   </a:ext>
                 </a:extLst>
               </a:tr>
-              <a:tr h="161256">
-                <a:tc>
-                  <a:txBody>
-                    <a:bodyPr/>
-                    <a:lstStyle/>
-                    <a:p>
-                      <a:r>
-                        <a:rPr lang="en-US" sz="1000" dirty="0" err="1" smtClean="0"/>
-                        <a:t>Date_from</a:t>
-                      </a:r>
-                      <a:endParaRPr lang="ru-RU" sz="1000" dirty="0"/>
-                    </a:p>
-                  </a:txBody>
-                  <a:tcPr/>
-                </a:tc>
-                <a:tc>
-                  <a:txBody>
-                    <a:bodyPr/>
-                    <a:lstStyle/>
-                    <a:p>
-                      <a:r>
-                        <a:rPr lang="en-US" sz="1000" dirty="0" smtClean="0"/>
-                        <a:t>Date</a:t>
-                      </a:r>
-                      <a:endParaRPr lang="ru-RU" sz="1000" dirty="0"/>
-                    </a:p>
-                  </a:txBody>
-                  <a:tcPr/>
-                </a:tc>
-                <a:extLst>
-                  <a:ext uri="{0D108BD9-81ED-4DB2-BD59-A6C34878D82A}">
-                    <a16:rowId xmlns:a16="http://schemas.microsoft.com/office/drawing/2014/main" val="2820608131"/>
-                  </a:ext>
-                </a:extLst>
-              </a:tr>
-              <a:tr h="161256">
-                <a:tc>
-                  <a:txBody>
-                    <a:bodyPr/>
-                    <a:lstStyle/>
-                    <a:p>
-                      <a:r>
-                        <a:rPr lang="en-US" sz="1000" dirty="0" err="1" smtClean="0"/>
-                        <a:t>Date_to</a:t>
-                      </a:r>
-                      <a:endParaRPr lang="ru-RU" sz="1000" dirty="0"/>
-                    </a:p>
-                  </a:txBody>
-                  <a:tcPr/>
-                </a:tc>
-                <a:tc>
-                  <a:txBody>
-                    <a:bodyPr/>
-                    <a:lstStyle/>
-                    <a:p>
-                      <a:r>
-                        <a:rPr lang="en-US" sz="1000" dirty="0" smtClean="0"/>
-                        <a:t>Date</a:t>
-                      </a:r>
-                      <a:endParaRPr lang="ru-RU" sz="1000" dirty="0"/>
-                    </a:p>
-                  </a:txBody>
-                  <a:tcPr/>
-                </a:tc>
-                <a:extLst>
-                  <a:ext uri="{0D108BD9-81ED-4DB2-BD59-A6C34878D82A}">
-                    <a16:rowId xmlns:a16="http://schemas.microsoft.com/office/drawing/2014/main" val="656690684"/>
-                  </a:ext>
-                </a:extLst>
-              </a:tr>
-              <a:tr h="161256">
-                <a:tc>
-                  <a:txBody>
-                    <a:bodyPr/>
-                    <a:lstStyle/>
-                    <a:p>
-                      <a:r>
-                        <a:rPr lang="en-US" sz="1000" dirty="0" err="1" smtClean="0"/>
-                        <a:t>Owner_id</a:t>
-                      </a:r>
-                      <a:endParaRPr lang="ru-RU" sz="1000" dirty="0"/>
-                    </a:p>
-                  </a:txBody>
-                  <a:tcPr/>
-                </a:tc>
-                <a:tc>
-                  <a:txBody>
-                    <a:bodyPr/>
-                    <a:lstStyle/>
-                    <a:p>
-                      <a:r>
-                        <a:rPr lang="en-US" sz="1000" dirty="0" smtClean="0"/>
-                        <a:t>Integer</a:t>
-                      </a:r>
-                      <a:endParaRPr lang="ru-RU" sz="1000" dirty="0"/>
-                    </a:p>
-                  </a:txBody>
-                  <a:tcPr/>
-                </a:tc>
-                <a:extLst>
-                  <a:ext uri="{0D108BD9-81ED-4DB2-BD59-A6C34878D82A}">
-                    <a16:rowId xmlns:a16="http://schemas.microsoft.com/office/drawing/2014/main" val="2834970157"/>
-                  </a:ext>
-                </a:extLst>
-              </a:tr>
             </a:tbl>
           </a:graphicData>
         </a:graphic>
@@ -4139,14 +4034,14 @@
           <p:nvPr>
             <p:extLst>
               <p:ext uri="{D42A27DB-BD31-4B8C-83A1-F6EECF244321}">
-                <p14:modId xmlns:p14="http://schemas.microsoft.com/office/powerpoint/2010/main" val="1550397340"/>
+                <p14:modId xmlns:p14="http://schemas.microsoft.com/office/powerpoint/2010/main" val="3157301419"/>
               </p:ext>
             </p:extLst>
           </p:nvPr>
         </p:nvGraphicFramePr>
         <p:xfrm>
           <a:off x="4324349" y="1098860"/>
-          <a:ext cx="1919516" cy="2194560"/>
+          <a:ext cx="1919516" cy="1950720"/>
         </p:xfrm>
         <a:graphic>
           <a:graphicData uri="http://schemas.openxmlformats.org/drawingml/2006/table">
@@ -4463,41 +4358,6 @@
                   </a:ext>
                 </a:extLst>
               </a:tr>
-              <a:tr h="219725">
-                <a:tc>
-                  <a:txBody>
-                    <a:bodyPr/>
-                    <a:lstStyle/>
-                    <a:p>
-                      <a:r>
-                        <a:rPr lang="en-US" sz="1000" dirty="0" err="1" smtClean="0"/>
-                        <a:t>Owner_id</a:t>
-                      </a:r>
-                      <a:endParaRPr lang="ru-RU" sz="1000" dirty="0"/>
-                    </a:p>
-                  </a:txBody>
-                  <a:tcPr/>
-                </a:tc>
-                <a:tc>
-                  <a:txBody>
-                    <a:bodyPr/>
-                    <a:lstStyle/>
-                    <a:p>
-                      <a:r>
-                        <a:rPr lang="en-US" sz="1000" dirty="0" smtClean="0"/>
-                        <a:t>Integer</a:t>
-                      </a:r>
-                      <a:endParaRPr lang="ru-RU" sz="1000" dirty="0"/>
-                    </a:p>
-                  </a:txBody>
-                  <a:tcPr/>
-                </a:tc>
-                <a:extLst>
-                  <a:ext uri="{0D108BD9-81ED-4DB2-BD59-A6C34878D82A}">
-                    <a16:rowId xmlns:a16="http://schemas.microsoft.com/office/drawing/2014/main" val="3748166348"/>
-                  </a:ext>
-                </a:extLst>
-              </a:tr>
             </a:tbl>
           </a:graphicData>
         </a:graphic>
@@ -4511,14 +4371,14 @@
           <p:nvPr>
             <p:extLst>
               <p:ext uri="{D42A27DB-BD31-4B8C-83A1-F6EECF244321}">
-                <p14:modId xmlns:p14="http://schemas.microsoft.com/office/powerpoint/2010/main" val="2050877668"/>
+                <p14:modId xmlns:p14="http://schemas.microsoft.com/office/powerpoint/2010/main" val="2063932239"/>
               </p:ext>
             </p:extLst>
           </p:nvPr>
         </p:nvGraphicFramePr>
         <p:xfrm>
           <a:off x="361950" y="3435897"/>
-          <a:ext cx="1807029" cy="1950720"/>
+          <a:ext cx="1807029" cy="1706880"/>
         </p:xfrm>
         <a:graphic>
           <a:graphicData uri="http://schemas.openxmlformats.org/drawingml/2006/table">
@@ -4780,41 +4640,6 @@
                 <a:extLst>
                   <a:ext uri="{0D108BD9-81ED-4DB2-BD59-A6C34878D82A}">
                     <a16:rowId xmlns:a16="http://schemas.microsoft.com/office/drawing/2014/main" val="1648551078"/>
-                  </a:ext>
-                </a:extLst>
-              </a:tr>
-              <a:tr h="188858">
-                <a:tc>
-                  <a:txBody>
-                    <a:bodyPr/>
-                    <a:lstStyle/>
-                    <a:p>
-                      <a:r>
-                        <a:rPr lang="en-US" sz="1000" dirty="0" err="1" smtClean="0"/>
-                        <a:t>Owner_id</a:t>
-                      </a:r>
-                      <a:endParaRPr lang="ru-RU" sz="1000" dirty="0"/>
-                    </a:p>
-                  </a:txBody>
-                  <a:tcPr/>
-                </a:tc>
-                <a:tc>
-                  <a:txBody>
-                    <a:bodyPr/>
-                    <a:lstStyle/>
-                    <a:p>
-                      <a:r>
-                        <a:rPr lang="en-US" sz="1000" dirty="0" smtClean="0"/>
-                        <a:t>Integer</a:t>
-                      </a:r>
-                      <a:endParaRPr lang="ru-RU" sz="1000" dirty="0"/>
-                    </a:p>
-                  </a:txBody>
-                  <a:tcPr/>
-                </a:tc>
-                <a:extLst>
-                  <a:ext uri="{0D108BD9-81ED-4DB2-BD59-A6C34878D82A}">
-                    <a16:rowId xmlns:a16="http://schemas.microsoft.com/office/drawing/2014/main" val="2026260328"/>
                   </a:ext>
                 </a:extLst>
               </a:tr>

--- a/src/main/webapp/TimeRec.pptx
+++ b/src/main/webapp/TimeRec.pptx
@@ -244,7 +244,7 @@
           <a:p>
             <a:fld id="{369B22A5-30E4-45FA-9C35-0A53E2812B5C}" type="datetimeFigureOut">
               <a:rPr lang="ru-RU" smtClean="0"/>
-              <a:t>02.06.2020</a:t>
+              <a:t>14.06.2020</a:t>
             </a:fld>
             <a:endParaRPr lang="ru-RU"/>
           </a:p>
@@ -414,7 +414,7 @@
           <a:p>
             <a:fld id="{369B22A5-30E4-45FA-9C35-0A53E2812B5C}" type="datetimeFigureOut">
               <a:rPr lang="ru-RU" smtClean="0"/>
-              <a:t>02.06.2020</a:t>
+              <a:t>14.06.2020</a:t>
             </a:fld>
             <a:endParaRPr lang="ru-RU"/>
           </a:p>
@@ -594,7 +594,7 @@
           <a:p>
             <a:fld id="{369B22A5-30E4-45FA-9C35-0A53E2812B5C}" type="datetimeFigureOut">
               <a:rPr lang="ru-RU" smtClean="0"/>
-              <a:t>02.06.2020</a:t>
+              <a:t>14.06.2020</a:t>
             </a:fld>
             <a:endParaRPr lang="ru-RU"/>
           </a:p>
@@ -764,7 +764,7 @@
           <a:p>
             <a:fld id="{369B22A5-30E4-45FA-9C35-0A53E2812B5C}" type="datetimeFigureOut">
               <a:rPr lang="ru-RU" smtClean="0"/>
-              <a:t>02.06.2020</a:t>
+              <a:t>14.06.2020</a:t>
             </a:fld>
             <a:endParaRPr lang="ru-RU"/>
           </a:p>
@@ -1010,7 +1010,7 @@
           <a:p>
             <a:fld id="{369B22A5-30E4-45FA-9C35-0A53E2812B5C}" type="datetimeFigureOut">
               <a:rPr lang="ru-RU" smtClean="0"/>
-              <a:t>02.06.2020</a:t>
+              <a:t>14.06.2020</a:t>
             </a:fld>
             <a:endParaRPr lang="ru-RU"/>
           </a:p>
@@ -1242,7 +1242,7 @@
           <a:p>
             <a:fld id="{369B22A5-30E4-45FA-9C35-0A53E2812B5C}" type="datetimeFigureOut">
               <a:rPr lang="ru-RU" smtClean="0"/>
-              <a:t>02.06.2020</a:t>
+              <a:t>14.06.2020</a:t>
             </a:fld>
             <a:endParaRPr lang="ru-RU"/>
           </a:p>
@@ -1609,7 +1609,7 @@
           <a:p>
             <a:fld id="{369B22A5-30E4-45FA-9C35-0A53E2812B5C}" type="datetimeFigureOut">
               <a:rPr lang="ru-RU" smtClean="0"/>
-              <a:t>02.06.2020</a:t>
+              <a:t>14.06.2020</a:t>
             </a:fld>
             <a:endParaRPr lang="ru-RU"/>
           </a:p>
@@ -1727,7 +1727,7 @@
           <a:p>
             <a:fld id="{369B22A5-30E4-45FA-9C35-0A53E2812B5C}" type="datetimeFigureOut">
               <a:rPr lang="ru-RU" smtClean="0"/>
-              <a:t>02.06.2020</a:t>
+              <a:t>14.06.2020</a:t>
             </a:fld>
             <a:endParaRPr lang="ru-RU"/>
           </a:p>
@@ -1822,7 +1822,7 @@
           <a:p>
             <a:fld id="{369B22A5-30E4-45FA-9C35-0A53E2812B5C}" type="datetimeFigureOut">
               <a:rPr lang="ru-RU" smtClean="0"/>
-              <a:t>02.06.2020</a:t>
+              <a:t>14.06.2020</a:t>
             </a:fld>
             <a:endParaRPr lang="ru-RU"/>
           </a:p>
@@ -2099,7 +2099,7 @@
           <a:p>
             <a:fld id="{369B22A5-30E4-45FA-9C35-0A53E2812B5C}" type="datetimeFigureOut">
               <a:rPr lang="ru-RU" smtClean="0"/>
-              <a:t>02.06.2020</a:t>
+              <a:t>14.06.2020</a:t>
             </a:fld>
             <a:endParaRPr lang="ru-RU"/>
           </a:p>
@@ -2352,7 +2352,7 @@
           <a:p>
             <a:fld id="{369B22A5-30E4-45FA-9C35-0A53E2812B5C}" type="datetimeFigureOut">
               <a:rPr lang="ru-RU" smtClean="0"/>
-              <a:t>02.06.2020</a:t>
+              <a:t>14.06.2020</a:t>
             </a:fld>
             <a:endParaRPr lang="ru-RU"/>
           </a:p>
@@ -2565,7 +2565,7 @@
           <a:p>
             <a:fld id="{369B22A5-30E4-45FA-9C35-0A53E2812B5C}" type="datetimeFigureOut">
               <a:rPr lang="ru-RU" smtClean="0"/>
-              <a:t>02.06.2020</a:t>
+              <a:t>14.06.2020</a:t>
             </a:fld>
             <a:endParaRPr lang="ru-RU"/>
           </a:p>
@@ -3092,7 +3092,7 @@
           <p:nvPr>
             <p:extLst>
               <p:ext uri="{D42A27DB-BD31-4B8C-83A1-F6EECF244321}">
-                <p14:modId xmlns:p14="http://schemas.microsoft.com/office/powerpoint/2010/main" val="606020621"/>
+                <p14:modId xmlns:p14="http://schemas.microsoft.com/office/powerpoint/2010/main" val="3616320857"/>
               </p:ext>
             </p:extLst>
           </p:nvPr>
@@ -3175,8 +3175,8 @@
                     <a:lstStyle/>
                     <a:p>
                       <a:r>
-                        <a:rPr lang="en-US" sz="1000" dirty="0" smtClean="0"/>
-                        <a:t>Integer</a:t>
+                        <a:rPr lang="en-US" sz="1000" dirty="0" err="1" smtClean="0"/>
+                        <a:t>BigInt</a:t>
                       </a:r>
                       <a:endParaRPr lang="ru-RU" sz="1000" dirty="0"/>
                     </a:p>
@@ -3280,6 +3280,41 @@
                     <a:lstStyle/>
                     <a:p>
                       <a:r>
+                        <a:rPr lang="en-US" sz="1000" dirty="0" err="1" smtClean="0"/>
+                        <a:t>BigInt</a:t>
+                      </a:r>
+                      <a:endParaRPr lang="ru-RU" sz="1000" dirty="0"/>
+                    </a:p>
+                  </a:txBody>
+                  <a:tcPr/>
+                </a:tc>
+                <a:extLst>
+                  <a:ext uri="{0D108BD9-81ED-4DB2-BD59-A6C34878D82A}">
+                    <a16:rowId xmlns:a16="http://schemas.microsoft.com/office/drawing/2014/main" val="58720458"/>
+                  </a:ext>
+                </a:extLst>
+              </a:tr>
+              <a:tr h="187854">
+                <a:tc>
+                  <a:txBody>
+                    <a:bodyPr/>
+                    <a:lstStyle/>
+                    <a:p>
+                      <a:r>
+                        <a:rPr lang="en-US" sz="1000" dirty="0" smtClean="0"/>
+                        <a:t>Duration</a:t>
+                      </a:r>
+                      <a:endParaRPr lang="ru-RU" sz="1000" dirty="0"/>
+                    </a:p>
+                  </a:txBody>
+                  <a:tcPr/>
+                </a:tc>
+                <a:tc>
+                  <a:txBody>
+                    <a:bodyPr/>
+                    <a:lstStyle/>
+                    <a:p>
+                      <a:r>
                         <a:rPr lang="en-US" sz="1000" dirty="0" smtClean="0"/>
                         <a:t>Integer</a:t>
                       </a:r>
@@ -3290,7 +3325,7 @@
                 </a:tc>
                 <a:extLst>
                   <a:ext uri="{0D108BD9-81ED-4DB2-BD59-A6C34878D82A}">
-                    <a16:rowId xmlns:a16="http://schemas.microsoft.com/office/drawing/2014/main" val="58720458"/>
+                    <a16:rowId xmlns:a16="http://schemas.microsoft.com/office/drawing/2014/main" val="3123146395"/>
                   </a:ext>
                 </a:extLst>
               </a:tr>
@@ -3302,7 +3337,7 @@
                     <a:p>
                       <a:r>
                         <a:rPr lang="en-US" sz="1000" dirty="0" smtClean="0"/>
-                        <a:t>Duration</a:t>
+                        <a:t>Cost</a:t>
                       </a:r>
                       <a:endParaRPr lang="ru-RU" sz="1000" dirty="0"/>
                     </a:p>
@@ -3325,7 +3360,7 @@
                 </a:tc>
                 <a:extLst>
                   <a:ext uri="{0D108BD9-81ED-4DB2-BD59-A6C34878D82A}">
-                    <a16:rowId xmlns:a16="http://schemas.microsoft.com/office/drawing/2014/main" val="3123146395"/>
+                    <a16:rowId xmlns:a16="http://schemas.microsoft.com/office/drawing/2014/main" val="1490119790"/>
                   </a:ext>
                 </a:extLst>
               </a:tr>
@@ -3336,57 +3371,22 @@
                     <a:lstStyle/>
                     <a:p>
                       <a:r>
-                        <a:rPr lang="en-US" sz="1000" dirty="0" smtClean="0"/>
-                        <a:t>Cost</a:t>
-                      </a:r>
-                      <a:endParaRPr lang="ru-RU" sz="1000" dirty="0"/>
-                    </a:p>
-                  </a:txBody>
-                  <a:tcPr/>
-                </a:tc>
-                <a:tc>
-                  <a:txBody>
-                    <a:bodyPr/>
-                    <a:lstStyle/>
-                    <a:p>
-                      <a:r>
-                        <a:rPr lang="en-US" sz="1000" dirty="0" smtClean="0"/>
-                        <a:t>Integer</a:t>
-                      </a:r>
-                      <a:endParaRPr lang="ru-RU" sz="1000" dirty="0"/>
-                    </a:p>
-                  </a:txBody>
-                  <a:tcPr/>
-                </a:tc>
-                <a:extLst>
-                  <a:ext uri="{0D108BD9-81ED-4DB2-BD59-A6C34878D82A}">
-                    <a16:rowId xmlns:a16="http://schemas.microsoft.com/office/drawing/2014/main" val="1490119790"/>
-                  </a:ext>
-                </a:extLst>
-              </a:tr>
-              <a:tr h="187854">
-                <a:tc>
-                  <a:txBody>
-                    <a:bodyPr/>
-                    <a:lstStyle/>
-                    <a:p>
-                      <a:r>
                         <a:rPr lang="en-US" sz="1000" dirty="0" err="1" smtClean="0"/>
-                        <a:t>Owner_id</a:t>
-                      </a:r>
-                      <a:endParaRPr lang="ru-RU" sz="1000" dirty="0"/>
-                    </a:p>
-                  </a:txBody>
-                  <a:tcPr/>
-                </a:tc>
-                <a:tc>
-                  <a:txBody>
-                    <a:bodyPr/>
-                    <a:lstStyle/>
-                    <a:p>
-                      <a:r>
-                        <a:rPr lang="en-US" sz="1000" dirty="0" smtClean="0"/>
-                        <a:t>Integer</a:t>
+                        <a:t>Owner_ID</a:t>
+                      </a:r>
+                      <a:endParaRPr lang="ru-RU" sz="1000" dirty="0"/>
+                    </a:p>
+                  </a:txBody>
+                  <a:tcPr/>
+                </a:tc>
+                <a:tc>
+                  <a:txBody>
+                    <a:bodyPr/>
+                    <a:lstStyle/>
+                    <a:p>
+                      <a:r>
+                        <a:rPr lang="en-US" sz="1000" dirty="0" err="1" smtClean="0"/>
+                        <a:t>BigInt</a:t>
                       </a:r>
                       <a:endParaRPr lang="ru-RU" sz="1000" dirty="0"/>
                     </a:p>
@@ -3412,7 +3412,7 @@
           <p:nvPr>
             <p:extLst>
               <p:ext uri="{D42A27DB-BD31-4B8C-83A1-F6EECF244321}">
-                <p14:modId xmlns:p14="http://schemas.microsoft.com/office/powerpoint/2010/main" val="3156261182"/>
+                <p14:modId xmlns:p14="http://schemas.microsoft.com/office/powerpoint/2010/main" val="1366824222"/>
               </p:ext>
             </p:extLst>
           </p:nvPr>
@@ -3495,8 +3495,8 @@
                     <a:lstStyle/>
                     <a:p>
                       <a:r>
-                        <a:rPr lang="en-US" sz="1000" dirty="0" smtClean="0"/>
-                        <a:t>Integer</a:t>
+                        <a:rPr lang="en-US" sz="1000" dirty="0" err="1" smtClean="0"/>
+                        <a:t>BigInt</a:t>
                       </a:r>
                       <a:endParaRPr lang="ru-RU" sz="1000" dirty="0"/>
                     </a:p>
@@ -3670,8 +3670,8 @@
                     <a:lstStyle/>
                     <a:p>
                       <a:r>
-                        <a:rPr lang="en-US" sz="1000" dirty="0" smtClean="0"/>
-                        <a:t>Integer</a:t>
+                        <a:rPr lang="en-US" sz="1000" dirty="0" err="1" smtClean="0"/>
+                        <a:t>BigInt</a:t>
                       </a:r>
                       <a:endParaRPr lang="ru-RU" sz="1000" dirty="0"/>
                     </a:p>
@@ -3692,21 +3692,21 @@
                     <a:p>
                       <a:r>
                         <a:rPr lang="en-US" sz="1000" dirty="0" err="1" smtClean="0"/>
-                        <a:t>Owner_id</a:t>
-                      </a:r>
-                      <a:endParaRPr lang="ru-RU" sz="1000" dirty="0"/>
-                    </a:p>
-                  </a:txBody>
-                  <a:tcPr/>
-                </a:tc>
-                <a:tc>
-                  <a:txBody>
-                    <a:bodyPr/>
-                    <a:lstStyle/>
-                    <a:p>
-                      <a:r>
-                        <a:rPr lang="en-US" sz="1000" dirty="0" smtClean="0"/>
-                        <a:t>Integer</a:t>
+                        <a:t>Owner_ID</a:t>
+                      </a:r>
+                      <a:endParaRPr lang="ru-RU" sz="1000" dirty="0"/>
+                    </a:p>
+                  </a:txBody>
+                  <a:tcPr/>
+                </a:tc>
+                <a:tc>
+                  <a:txBody>
+                    <a:bodyPr/>
+                    <a:lstStyle/>
+                    <a:p>
+                      <a:r>
+                        <a:rPr lang="en-US" sz="1000" dirty="0" err="1" smtClean="0"/>
+                        <a:t>BigInt</a:t>
                       </a:r>
                       <a:endParaRPr lang="ru-RU" sz="1000" dirty="0"/>
                     </a:p>
@@ -3732,7 +3732,7 @@
           <p:nvPr>
             <p:extLst>
               <p:ext uri="{D42A27DB-BD31-4B8C-83A1-F6EECF244321}">
-                <p14:modId xmlns:p14="http://schemas.microsoft.com/office/powerpoint/2010/main" val="2376078594"/>
+                <p14:modId xmlns:p14="http://schemas.microsoft.com/office/powerpoint/2010/main" val="3418623923"/>
               </p:ext>
             </p:extLst>
           </p:nvPr>
@@ -3815,8 +3815,8 @@
                     <a:lstStyle/>
                     <a:p>
                       <a:r>
-                        <a:rPr lang="en-US" sz="1000" dirty="0" smtClean="0"/>
-                        <a:t>Integer</a:t>
+                        <a:rPr lang="en-US" sz="1000" dirty="0" err="1" smtClean="0"/>
+                        <a:t>BigInt</a:t>
                       </a:r>
                       <a:endParaRPr lang="ru-RU" sz="1000" dirty="0"/>
                     </a:p>
@@ -3867,8 +3867,8 @@
                     <a:lstStyle/>
                     <a:p>
                       <a:r>
-                        <a:rPr lang="en-US" sz="1000" dirty="0" smtClean="0"/>
-                        <a:t>Integer</a:t>
+                        <a:rPr lang="en-US" sz="1000" dirty="0" err="1" smtClean="0"/>
+                        <a:t>BigInt</a:t>
                       </a:r>
                       <a:endParaRPr lang="ru-RU" sz="1000" dirty="0"/>
                     </a:p>
@@ -4034,14 +4034,14 @@
           <p:nvPr>
             <p:extLst>
               <p:ext uri="{D42A27DB-BD31-4B8C-83A1-F6EECF244321}">
-                <p14:modId xmlns:p14="http://schemas.microsoft.com/office/powerpoint/2010/main" val="3157301419"/>
+                <p14:modId xmlns:p14="http://schemas.microsoft.com/office/powerpoint/2010/main" val="736786862"/>
               </p:ext>
             </p:extLst>
           </p:nvPr>
         </p:nvGraphicFramePr>
         <p:xfrm>
           <a:off x="4324349" y="1098860"/>
-          <a:ext cx="1919516" cy="1950720"/>
+          <a:ext cx="1919516" cy="2194560"/>
         </p:xfrm>
         <a:graphic>
           <a:graphicData uri="http://schemas.openxmlformats.org/drawingml/2006/table">
@@ -4117,8 +4117,8 @@
                     <a:lstStyle/>
                     <a:p>
                       <a:r>
-                        <a:rPr lang="en-US" sz="1000" dirty="0" smtClean="0"/>
-                        <a:t>Integer</a:t>
+                        <a:rPr lang="en-US" sz="1000" dirty="0" err="1" smtClean="0"/>
+                        <a:t>BigInt</a:t>
                       </a:r>
                       <a:endParaRPr lang="ru-RU" sz="1000" dirty="0"/>
                     </a:p>
@@ -4128,6 +4128,41 @@
                 <a:extLst>
                   <a:ext uri="{0D108BD9-81ED-4DB2-BD59-A6C34878D82A}">
                     <a16:rowId xmlns:a16="http://schemas.microsoft.com/office/drawing/2014/main" val="1056043661"/>
+                  </a:ext>
+                </a:extLst>
+              </a:tr>
+              <a:tr h="219725">
+                <a:tc>
+                  <a:txBody>
+                    <a:bodyPr/>
+                    <a:lstStyle/>
+                    <a:p>
+                      <a:r>
+                        <a:rPr lang="en-US" sz="1000" dirty="0" err="1" smtClean="0"/>
+                        <a:t>Service_ID</a:t>
+                      </a:r>
+                      <a:endParaRPr lang="ru-RU" sz="1000" dirty="0"/>
+                    </a:p>
+                  </a:txBody>
+                  <a:tcPr/>
+                </a:tc>
+                <a:tc>
+                  <a:txBody>
+                    <a:bodyPr/>
+                    <a:lstStyle/>
+                    <a:p>
+                      <a:r>
+                        <a:rPr lang="en-US" sz="1000" dirty="0" err="1" smtClean="0"/>
+                        <a:t>BigInt</a:t>
+                      </a:r>
+                      <a:endParaRPr lang="ru-RU" sz="1000" dirty="0"/>
+                    </a:p>
+                  </a:txBody>
+                  <a:tcPr/>
+                </a:tc>
+                <a:extLst>
+                  <a:ext uri="{0D108BD9-81ED-4DB2-BD59-A6C34878D82A}">
+                    <a16:rowId xmlns:a16="http://schemas.microsoft.com/office/drawing/2014/main" val="1091595685"/>
                   </a:ext>
                 </a:extLst>
               </a:tr>
@@ -4152,17 +4187,17 @@
                     <a:lstStyle/>
                     <a:p>
                       <a:r>
-                        <a:rPr lang="en-US" sz="1000" dirty="0" smtClean="0"/>
-                        <a:t>Integer</a:t>
-                      </a:r>
-                      <a:endParaRPr lang="ru-RU" sz="1000" dirty="0"/>
-                    </a:p>
-                  </a:txBody>
-                  <a:tcPr/>
-                </a:tc>
-                <a:extLst>
-                  <a:ext uri="{0D108BD9-81ED-4DB2-BD59-A6C34878D82A}">
-                    <a16:rowId xmlns:a16="http://schemas.microsoft.com/office/drawing/2014/main" val="1091595685"/>
+                        <a:rPr lang="en-US" sz="1000" dirty="0" err="1" smtClean="0"/>
+                        <a:t>BigInt</a:t>
+                      </a:r>
+                      <a:endParaRPr lang="ru-RU" sz="1000" dirty="0"/>
+                    </a:p>
+                  </a:txBody>
+                  <a:tcPr/>
+                </a:tc>
+                <a:extLst>
+                  <a:ext uri="{0D108BD9-81ED-4DB2-BD59-A6C34878D82A}">
+                    <a16:rowId xmlns:a16="http://schemas.microsoft.com/office/drawing/2014/main" val="2028602120"/>
                   </a:ext>
                 </a:extLst>
               </a:tr>
@@ -4204,17 +4239,17 @@
                     <a:lstStyle/>
                     <a:p>
                       <a:r>
-                        <a:rPr lang="en-US" sz="1000" dirty="0" smtClean="0"/>
-                        <a:t>Integer</a:t>
-                      </a:r>
-                      <a:endParaRPr lang="ru-RU" sz="1000" dirty="0"/>
-                    </a:p>
-                  </a:txBody>
-                  <a:tcPr/>
-                </a:tc>
-                <a:extLst>
-                  <a:ext uri="{0D108BD9-81ED-4DB2-BD59-A6C34878D82A}">
-                    <a16:rowId xmlns:a16="http://schemas.microsoft.com/office/drawing/2014/main" val="2028602120"/>
+                        <a:rPr lang="en-US" sz="1000" dirty="0" err="1" smtClean="0"/>
+                        <a:t>BigInt</a:t>
+                      </a:r>
+                      <a:endParaRPr lang="ru-RU" sz="1000" dirty="0"/>
+                    </a:p>
+                  </a:txBody>
+                  <a:tcPr/>
+                </a:tc>
+                <a:extLst>
+                  <a:ext uri="{0D108BD9-81ED-4DB2-BD59-A6C34878D82A}">
+                    <a16:rowId xmlns:a16="http://schemas.microsoft.com/office/drawing/2014/main" val="58720458"/>
                   </a:ext>
                 </a:extLst>
               </a:tr>
@@ -4249,7 +4284,7 @@
                 </a:tc>
                 <a:extLst>
                   <a:ext uri="{0D108BD9-81ED-4DB2-BD59-A6C34878D82A}">
-                    <a16:rowId xmlns:a16="http://schemas.microsoft.com/office/drawing/2014/main" val="58720458"/>
+                    <a16:rowId xmlns:a16="http://schemas.microsoft.com/office/drawing/2014/main" val="137951564"/>
                   </a:ext>
                 </a:extLst>
               </a:tr>
@@ -4284,7 +4319,7 @@
                 </a:tc>
                 <a:extLst>
                   <a:ext uri="{0D108BD9-81ED-4DB2-BD59-A6C34878D82A}">
-                    <a16:rowId xmlns:a16="http://schemas.microsoft.com/office/drawing/2014/main" val="137951564"/>
+                    <a16:rowId xmlns:a16="http://schemas.microsoft.com/office/drawing/2014/main" val="3238017243"/>
                   </a:ext>
                 </a:extLst>
               </a:tr>
@@ -4319,7 +4354,7 @@
                 </a:tc>
                 <a:extLst>
                   <a:ext uri="{0D108BD9-81ED-4DB2-BD59-A6C34878D82A}">
-                    <a16:rowId xmlns:a16="http://schemas.microsoft.com/office/drawing/2014/main" val="3238017243"/>
+                    <a16:rowId xmlns:a16="http://schemas.microsoft.com/office/drawing/2014/main" val="2820608131"/>
                   </a:ext>
                 </a:extLst>
               </a:tr>
@@ -4354,7 +4389,7 @@
                 </a:tc>
                 <a:extLst>
                   <a:ext uri="{0D108BD9-81ED-4DB2-BD59-A6C34878D82A}">
-                    <a16:rowId xmlns:a16="http://schemas.microsoft.com/office/drawing/2014/main" val="2820608131"/>
+                    <a16:rowId xmlns:a16="http://schemas.microsoft.com/office/drawing/2014/main" val="2169286483"/>
                   </a:ext>
                 </a:extLst>
               </a:tr>
@@ -4371,7 +4406,7 @@
           <p:nvPr>
             <p:extLst>
               <p:ext uri="{D42A27DB-BD31-4B8C-83A1-F6EECF244321}">
-                <p14:modId xmlns:p14="http://schemas.microsoft.com/office/powerpoint/2010/main" val="2063932239"/>
+                <p14:modId xmlns:p14="http://schemas.microsoft.com/office/powerpoint/2010/main" val="1846455786"/>
               </p:ext>
             </p:extLst>
           </p:nvPr>
@@ -4454,8 +4489,8 @@
                     <a:lstStyle/>
                     <a:p>
                       <a:r>
-                        <a:rPr lang="en-US" sz="1000" dirty="0" smtClean="0"/>
-                        <a:t>Integer</a:t>
+                        <a:rPr lang="en-US" sz="1000" dirty="0" err="1" smtClean="0"/>
+                        <a:t>BigInt</a:t>
                       </a:r>
                       <a:endParaRPr lang="ru-RU" sz="1000" dirty="0"/>
                     </a:p>
@@ -4656,7 +4691,7 @@
           <p:nvPr>
             <p:extLst>
               <p:ext uri="{D42A27DB-BD31-4B8C-83A1-F6EECF244321}">
-                <p14:modId xmlns:p14="http://schemas.microsoft.com/office/powerpoint/2010/main" val="3143614958"/>
+                <p14:modId xmlns:p14="http://schemas.microsoft.com/office/powerpoint/2010/main" val="1101050134"/>
               </p:ext>
             </p:extLst>
           </p:nvPr>
@@ -4739,8 +4774,8 @@
                     <a:lstStyle/>
                     <a:p>
                       <a:r>
-                        <a:rPr lang="en-US" sz="1000" dirty="0" smtClean="0"/>
-                        <a:t>Integer</a:t>
+                        <a:rPr lang="en-US" sz="1000" dirty="0" err="1" smtClean="0"/>
+                        <a:t>BigInt</a:t>
                       </a:r>
                       <a:endParaRPr lang="ru-RU" sz="1000" dirty="0"/>
                     </a:p>
@@ -4931,8 +4966,8 @@
                     <a:lstStyle/>
                     <a:p>
                       <a:r>
-                        <a:rPr lang="en-US" sz="1000" dirty="0" smtClean="0"/>
-                        <a:t>Integer</a:t>
+                        <a:rPr lang="en-US" sz="1000" dirty="0" err="1" smtClean="0"/>
+                        <a:t>BigInt</a:t>
                       </a:r>
                       <a:endParaRPr lang="ru-RU" sz="1000" dirty="0"/>
                     </a:p>
@@ -4958,7 +4993,7 @@
           <p:nvPr>
             <p:extLst>
               <p:ext uri="{D42A27DB-BD31-4B8C-83A1-F6EECF244321}">
-                <p14:modId xmlns:p14="http://schemas.microsoft.com/office/powerpoint/2010/main" val="3836090305"/>
+                <p14:modId xmlns:p14="http://schemas.microsoft.com/office/powerpoint/2010/main" val="3136789691"/>
               </p:ext>
             </p:extLst>
           </p:nvPr>
@@ -5041,8 +5076,8 @@
                     <a:lstStyle/>
                     <a:p>
                       <a:r>
-                        <a:rPr lang="en-US" sz="1000" dirty="0" smtClean="0"/>
-                        <a:t>Integer</a:t>
+                        <a:rPr lang="en-US" sz="1000" dirty="0" err="1" smtClean="0"/>
+                        <a:t>BigInt</a:t>
                       </a:r>
                       <a:endParaRPr lang="ru-RU" sz="1000" dirty="0"/>
                     </a:p>
@@ -5076,8 +5111,8 @@
                     <a:lstStyle/>
                     <a:p>
                       <a:r>
-                        <a:rPr lang="en-US" sz="1000" dirty="0" smtClean="0"/>
-                        <a:t>Integer</a:t>
+                        <a:rPr lang="en-US" sz="1000" dirty="0" err="1" smtClean="0"/>
+                        <a:t>BigInt</a:t>
                       </a:r>
                       <a:endParaRPr lang="ru-RU" sz="1000" dirty="0"/>
                     </a:p>
@@ -5146,8 +5181,8 @@
                     <a:lstStyle/>
                     <a:p>
                       <a:r>
-                        <a:rPr lang="en-US" sz="1000" dirty="0" smtClean="0"/>
-                        <a:t>Integer</a:t>
+                        <a:rPr lang="en-US" sz="1000" dirty="0" err="1" smtClean="0"/>
+                        <a:t>BigInt</a:t>
                       </a:r>
                       <a:endParaRPr lang="ru-RU" sz="1000" dirty="0"/>
                     </a:p>
@@ -5268,8 +5303,8 @@
                     <a:lstStyle/>
                     <a:p>
                       <a:r>
-                        <a:rPr lang="en-US" sz="1000" dirty="0" smtClean="0"/>
-                        <a:t>Integer</a:t>
+                        <a:rPr lang="en-US" sz="1000" dirty="0" err="1" smtClean="0"/>
+                        <a:t>BigInt</a:t>
                       </a:r>
                       <a:endParaRPr lang="ru-RU" sz="1000" dirty="0"/>
                     </a:p>
@@ -5290,21 +5325,21 @@
                     <a:p>
                       <a:r>
                         <a:rPr lang="en-US" sz="1000" dirty="0" err="1" smtClean="0"/>
-                        <a:t>Owner_id</a:t>
-                      </a:r>
-                      <a:endParaRPr lang="ru-RU" sz="1000" dirty="0"/>
-                    </a:p>
-                  </a:txBody>
-                  <a:tcPr/>
-                </a:tc>
-                <a:tc>
-                  <a:txBody>
-                    <a:bodyPr/>
-                    <a:lstStyle/>
-                    <a:p>
-                      <a:r>
-                        <a:rPr lang="en-US" sz="1000" dirty="0" smtClean="0"/>
-                        <a:t>Integer</a:t>
+                        <a:t>Owner_ID</a:t>
+                      </a:r>
+                      <a:endParaRPr lang="ru-RU" sz="1000" dirty="0"/>
+                    </a:p>
+                  </a:txBody>
+                  <a:tcPr/>
+                </a:tc>
+                <a:tc>
+                  <a:txBody>
+                    <a:bodyPr/>
+                    <a:lstStyle/>
+                    <a:p>
+                      <a:r>
+                        <a:rPr lang="en-US" sz="1000" dirty="0" err="1" smtClean="0"/>
+                        <a:t>BigInt</a:t>
                       </a:r>
                       <a:endParaRPr lang="ru-RU" sz="1000" dirty="0"/>
                     </a:p>
@@ -5330,7 +5365,7 @@
           <p:nvPr>
             <p:extLst>
               <p:ext uri="{D42A27DB-BD31-4B8C-83A1-F6EECF244321}">
-                <p14:modId xmlns:p14="http://schemas.microsoft.com/office/powerpoint/2010/main" val="1303712291"/>
+                <p14:modId xmlns:p14="http://schemas.microsoft.com/office/powerpoint/2010/main" val="3211664852"/>
               </p:ext>
             </p:extLst>
           </p:nvPr>
@@ -5413,8 +5448,8 @@
                     <a:lstStyle/>
                     <a:p>
                       <a:r>
-                        <a:rPr lang="en-US" sz="1000" dirty="0" smtClean="0"/>
-                        <a:t>Integer</a:t>
+                        <a:rPr lang="en-US" sz="1000" dirty="0" err="1" smtClean="0"/>
+                        <a:t>BigInt</a:t>
                       </a:r>
                       <a:endParaRPr lang="ru-RU" sz="1000" dirty="0"/>
                     </a:p>
@@ -5527,7 +5562,7 @@
           <p:nvPr>
             <p:extLst>
               <p:ext uri="{D42A27DB-BD31-4B8C-83A1-F6EECF244321}">
-                <p14:modId xmlns:p14="http://schemas.microsoft.com/office/powerpoint/2010/main" val="1656362910"/>
+                <p14:modId xmlns:p14="http://schemas.microsoft.com/office/powerpoint/2010/main" val="3187910519"/>
               </p:ext>
             </p:extLst>
           </p:nvPr>
@@ -5610,8 +5645,8 @@
                     <a:lstStyle/>
                     <a:p>
                       <a:r>
-                        <a:rPr lang="en-US" sz="1000" dirty="0" smtClean="0"/>
-                        <a:t>Integer</a:t>
+                        <a:rPr lang="en-US" sz="1000" dirty="0" err="1" smtClean="0"/>
+                        <a:t>BigInt</a:t>
                       </a:r>
                       <a:endParaRPr lang="ru-RU" sz="1000" dirty="0"/>
                     </a:p>
@@ -5645,8 +5680,8 @@
                     <a:lstStyle/>
                     <a:p>
                       <a:r>
-                        <a:rPr lang="en-US" sz="1000" dirty="0" smtClean="0"/>
-                        <a:t>Integer</a:t>
+                        <a:rPr lang="en-US" sz="1000" dirty="0" err="1" smtClean="0"/>
+                        <a:t>BigInt</a:t>
                       </a:r>
                       <a:endParaRPr lang="ru-RU" sz="1000" dirty="0"/>
                     </a:p>
@@ -6021,7 +6056,7 @@
           <p:nvPr>
             <p:extLst>
               <p:ext uri="{D42A27DB-BD31-4B8C-83A1-F6EECF244321}">
-                <p14:modId xmlns:p14="http://schemas.microsoft.com/office/powerpoint/2010/main" val="1842036203"/>
+                <p14:modId xmlns:p14="http://schemas.microsoft.com/office/powerpoint/2010/main" val="2116178946"/>
               </p:ext>
             </p:extLst>
           </p:nvPr>
@@ -6104,8 +6139,8 @@
                     <a:lstStyle/>
                     <a:p>
                       <a:r>
-                        <a:rPr lang="en-US" sz="1000" dirty="0" smtClean="0"/>
-                        <a:t>Integer</a:t>
+                        <a:rPr lang="en-US" sz="1000" dirty="0" err="1" smtClean="0"/>
+                        <a:t>BigInt</a:t>
                       </a:r>
                       <a:endParaRPr lang="ru-RU" sz="1000" dirty="0"/>
                     </a:p>
@@ -6161,21 +6196,21 @@
                     <a:p>
                       <a:r>
                         <a:rPr lang="en-US" sz="1000" dirty="0" err="1" smtClean="0"/>
-                        <a:t>Owner_id</a:t>
-                      </a:r>
-                      <a:endParaRPr lang="ru-RU" sz="1000" dirty="0"/>
-                    </a:p>
-                  </a:txBody>
-                  <a:tcPr/>
-                </a:tc>
-                <a:tc>
-                  <a:txBody>
-                    <a:bodyPr/>
-                    <a:lstStyle/>
-                    <a:p>
-                      <a:r>
-                        <a:rPr lang="en-US" sz="1000" dirty="0" smtClean="0"/>
-                        <a:t>Integer</a:t>
+                        <a:t>Owner_ID</a:t>
+                      </a:r>
+                      <a:endParaRPr lang="ru-RU" sz="1000" dirty="0"/>
+                    </a:p>
+                  </a:txBody>
+                  <a:tcPr/>
+                </a:tc>
+                <a:tc>
+                  <a:txBody>
+                    <a:bodyPr/>
+                    <a:lstStyle/>
+                    <a:p>
+                      <a:r>
+                        <a:rPr lang="en-US" sz="1000" dirty="0" err="1" smtClean="0"/>
+                        <a:t>BigInt</a:t>
                       </a:r>
                       <a:endParaRPr lang="ru-RU" sz="1000" dirty="0"/>
                     </a:p>

--- a/src/main/webapp/TimeRec.pptx
+++ b/src/main/webapp/TimeRec.pptx
@@ -244,7 +244,7 @@
           <a:p>
             <a:fld id="{369B22A5-30E4-45FA-9C35-0A53E2812B5C}" type="datetimeFigureOut">
               <a:rPr lang="ru-RU" smtClean="0"/>
-              <a:t>14.06.2020</a:t>
+              <a:t>20.06.2020</a:t>
             </a:fld>
             <a:endParaRPr lang="ru-RU"/>
           </a:p>
@@ -414,7 +414,7 @@
           <a:p>
             <a:fld id="{369B22A5-30E4-45FA-9C35-0A53E2812B5C}" type="datetimeFigureOut">
               <a:rPr lang="ru-RU" smtClean="0"/>
-              <a:t>14.06.2020</a:t>
+              <a:t>20.06.2020</a:t>
             </a:fld>
             <a:endParaRPr lang="ru-RU"/>
           </a:p>
@@ -594,7 +594,7 @@
           <a:p>
             <a:fld id="{369B22A5-30E4-45FA-9C35-0A53E2812B5C}" type="datetimeFigureOut">
               <a:rPr lang="ru-RU" smtClean="0"/>
-              <a:t>14.06.2020</a:t>
+              <a:t>20.06.2020</a:t>
             </a:fld>
             <a:endParaRPr lang="ru-RU"/>
           </a:p>
@@ -764,7 +764,7 @@
           <a:p>
             <a:fld id="{369B22A5-30E4-45FA-9C35-0A53E2812B5C}" type="datetimeFigureOut">
               <a:rPr lang="ru-RU" smtClean="0"/>
-              <a:t>14.06.2020</a:t>
+              <a:t>20.06.2020</a:t>
             </a:fld>
             <a:endParaRPr lang="ru-RU"/>
           </a:p>
@@ -1010,7 +1010,7 @@
           <a:p>
             <a:fld id="{369B22A5-30E4-45FA-9C35-0A53E2812B5C}" type="datetimeFigureOut">
               <a:rPr lang="ru-RU" smtClean="0"/>
-              <a:t>14.06.2020</a:t>
+              <a:t>20.06.2020</a:t>
             </a:fld>
             <a:endParaRPr lang="ru-RU"/>
           </a:p>
@@ -1242,7 +1242,7 @@
           <a:p>
             <a:fld id="{369B22A5-30E4-45FA-9C35-0A53E2812B5C}" type="datetimeFigureOut">
               <a:rPr lang="ru-RU" smtClean="0"/>
-              <a:t>14.06.2020</a:t>
+              <a:t>20.06.2020</a:t>
             </a:fld>
             <a:endParaRPr lang="ru-RU"/>
           </a:p>
@@ -1609,7 +1609,7 @@
           <a:p>
             <a:fld id="{369B22A5-30E4-45FA-9C35-0A53E2812B5C}" type="datetimeFigureOut">
               <a:rPr lang="ru-RU" smtClean="0"/>
-              <a:t>14.06.2020</a:t>
+              <a:t>20.06.2020</a:t>
             </a:fld>
             <a:endParaRPr lang="ru-RU"/>
           </a:p>
@@ -1727,7 +1727,7 @@
           <a:p>
             <a:fld id="{369B22A5-30E4-45FA-9C35-0A53E2812B5C}" type="datetimeFigureOut">
               <a:rPr lang="ru-RU" smtClean="0"/>
-              <a:t>14.06.2020</a:t>
+              <a:t>20.06.2020</a:t>
             </a:fld>
             <a:endParaRPr lang="ru-RU"/>
           </a:p>
@@ -1822,7 +1822,7 @@
           <a:p>
             <a:fld id="{369B22A5-30E4-45FA-9C35-0A53E2812B5C}" type="datetimeFigureOut">
               <a:rPr lang="ru-RU" smtClean="0"/>
-              <a:t>14.06.2020</a:t>
+              <a:t>20.06.2020</a:t>
             </a:fld>
             <a:endParaRPr lang="ru-RU"/>
           </a:p>
@@ -2099,7 +2099,7 @@
           <a:p>
             <a:fld id="{369B22A5-30E4-45FA-9C35-0A53E2812B5C}" type="datetimeFigureOut">
               <a:rPr lang="ru-RU" smtClean="0"/>
-              <a:t>14.06.2020</a:t>
+              <a:t>20.06.2020</a:t>
             </a:fld>
             <a:endParaRPr lang="ru-RU"/>
           </a:p>
@@ -2352,7 +2352,7 @@
           <a:p>
             <a:fld id="{369B22A5-30E4-45FA-9C35-0A53E2812B5C}" type="datetimeFigureOut">
               <a:rPr lang="ru-RU" smtClean="0"/>
-              <a:t>14.06.2020</a:t>
+              <a:t>20.06.2020</a:t>
             </a:fld>
             <a:endParaRPr lang="ru-RU"/>
           </a:p>
@@ -2565,7 +2565,7 @@
           <a:p>
             <a:fld id="{369B22A5-30E4-45FA-9C35-0A53E2812B5C}" type="datetimeFigureOut">
               <a:rPr lang="ru-RU" smtClean="0"/>
-              <a:t>14.06.2020</a:t>
+              <a:t>20.06.2020</a:t>
             </a:fld>
             <a:endParaRPr lang="ru-RU"/>
           </a:p>
@@ -3092,13 +3092,13 @@
           <p:nvPr>
             <p:extLst>
               <p:ext uri="{D42A27DB-BD31-4B8C-83A1-F6EECF244321}">
-                <p14:modId xmlns:p14="http://schemas.microsoft.com/office/powerpoint/2010/main" val="3616320857"/>
+                <p14:modId xmlns:p14="http://schemas.microsoft.com/office/powerpoint/2010/main" val="1083815675"/>
               </p:ext>
             </p:extLst>
           </p:nvPr>
         </p:nvGraphicFramePr>
         <p:xfrm>
-          <a:off x="376465" y="1100305"/>
+          <a:off x="475799" y="4573579"/>
           <a:ext cx="1778000" cy="1950720"/>
         </p:xfrm>
         <a:graphic>
@@ -3412,14 +3412,14 @@
           <p:nvPr>
             <p:extLst>
               <p:ext uri="{D42A27DB-BD31-4B8C-83A1-F6EECF244321}">
-                <p14:modId xmlns:p14="http://schemas.microsoft.com/office/powerpoint/2010/main" val="1366824222"/>
+                <p14:modId xmlns:p14="http://schemas.microsoft.com/office/powerpoint/2010/main" val="2120864400"/>
               </p:ext>
             </p:extLst>
           </p:nvPr>
         </p:nvGraphicFramePr>
         <p:xfrm>
-          <a:off x="3694112" y="4595350"/>
-          <a:ext cx="1891393" cy="1950720"/>
+          <a:off x="7114270" y="1225077"/>
+          <a:ext cx="1891393" cy="1706880"/>
         </p:xfrm>
         <a:graphic>
           <a:graphicData uri="http://schemas.openxmlformats.org/drawingml/2006/table">
@@ -3684,41 +3684,6 @@
                   </a:ext>
                 </a:extLst>
               </a:tr>
-              <a:tr h="169990">
-                <a:tc>
-                  <a:txBody>
-                    <a:bodyPr/>
-                    <a:lstStyle/>
-                    <a:p>
-                      <a:r>
-                        <a:rPr lang="en-US" sz="1000" dirty="0" err="1" smtClean="0"/>
-                        <a:t>Owner_ID</a:t>
-                      </a:r>
-                      <a:endParaRPr lang="ru-RU" sz="1000" dirty="0"/>
-                    </a:p>
-                  </a:txBody>
-                  <a:tcPr/>
-                </a:tc>
-                <a:tc>
-                  <a:txBody>
-                    <a:bodyPr/>
-                    <a:lstStyle/>
-                    <a:p>
-                      <a:r>
-                        <a:rPr lang="en-US" sz="1000" dirty="0" err="1" smtClean="0"/>
-                        <a:t>BigInt</a:t>
-                      </a:r>
-                      <a:endParaRPr lang="ru-RU" sz="1000" dirty="0"/>
-                    </a:p>
-                  </a:txBody>
-                  <a:tcPr/>
-                </a:tc>
-                <a:extLst>
-                  <a:ext uri="{0D108BD9-81ED-4DB2-BD59-A6C34878D82A}">
-                    <a16:rowId xmlns:a16="http://schemas.microsoft.com/office/drawing/2014/main" val="2133081033"/>
-                  </a:ext>
-                </a:extLst>
-              </a:tr>
             </a:tbl>
           </a:graphicData>
         </a:graphic>
@@ -3732,13 +3697,13 @@
           <p:nvPr>
             <p:extLst>
               <p:ext uri="{D42A27DB-BD31-4B8C-83A1-F6EECF244321}">
-                <p14:modId xmlns:p14="http://schemas.microsoft.com/office/powerpoint/2010/main" val="3418623923"/>
+                <p14:modId xmlns:p14="http://schemas.microsoft.com/office/powerpoint/2010/main" val="3375226977"/>
               </p:ext>
             </p:extLst>
           </p:nvPr>
         </p:nvGraphicFramePr>
         <p:xfrm>
-          <a:off x="2513692" y="1098860"/>
+          <a:off x="2613026" y="4572134"/>
           <a:ext cx="1451430" cy="1706880"/>
         </p:xfrm>
         <a:graphic>
@@ -4034,14 +3999,14 @@
           <p:nvPr>
             <p:extLst>
               <p:ext uri="{D42A27DB-BD31-4B8C-83A1-F6EECF244321}">
-                <p14:modId xmlns:p14="http://schemas.microsoft.com/office/powerpoint/2010/main" val="736786862"/>
+                <p14:modId xmlns:p14="http://schemas.microsoft.com/office/powerpoint/2010/main" val="1027896252"/>
               </p:ext>
             </p:extLst>
           </p:nvPr>
         </p:nvGraphicFramePr>
         <p:xfrm>
-          <a:off x="4324349" y="1098860"/>
-          <a:ext cx="1919516" cy="2194560"/>
+          <a:off x="4423683" y="4572134"/>
+          <a:ext cx="1919516" cy="1950720"/>
         </p:xfrm>
         <a:graphic>
           <a:graphicData uri="http://schemas.openxmlformats.org/drawingml/2006/table">
@@ -4172,41 +4137,6 @@
                     <a:bodyPr/>
                     <a:lstStyle/>
                     <a:p>
-                      <a:r>
-                        <a:rPr lang="en-US" sz="1000" dirty="0" err="1" smtClean="0"/>
-                        <a:t>Repeat_ID</a:t>
-                      </a:r>
-                      <a:endParaRPr lang="ru-RU" sz="1000" dirty="0"/>
-                    </a:p>
-                  </a:txBody>
-                  <a:tcPr/>
-                </a:tc>
-                <a:tc>
-                  <a:txBody>
-                    <a:bodyPr/>
-                    <a:lstStyle/>
-                    <a:p>
-                      <a:r>
-                        <a:rPr lang="en-US" sz="1000" dirty="0" err="1" smtClean="0"/>
-                        <a:t>BigInt</a:t>
-                      </a:r>
-                      <a:endParaRPr lang="ru-RU" sz="1000" dirty="0"/>
-                    </a:p>
-                  </a:txBody>
-                  <a:tcPr/>
-                </a:tc>
-                <a:extLst>
-                  <a:ext uri="{0D108BD9-81ED-4DB2-BD59-A6C34878D82A}">
-                    <a16:rowId xmlns:a16="http://schemas.microsoft.com/office/drawing/2014/main" val="2028602120"/>
-                  </a:ext>
-                </a:extLst>
-              </a:tr>
-              <a:tr h="219725">
-                <a:tc>
-                  <a:txBody>
-                    <a:bodyPr/>
-                    <a:lstStyle/>
-                    <a:p>
                       <a:pPr marL="0" marR="0" lvl="0" indent="0" algn="l" defTabSz="914400" rtl="0" eaLnBrk="1" fontAlgn="auto" latinLnBrk="0" hangingPunct="1">
                         <a:lnSpc>
                           <a:spcPct val="100000"/>
@@ -4226,7 +4156,7 @@
                       </a:pPr>
                       <a:r>
                         <a:rPr lang="en-US" sz="1000" dirty="0" err="1" smtClean="0"/>
-                        <a:t>Client_ID</a:t>
+                        <a:t>User_ID</a:t>
                       </a:r>
                       <a:endParaRPr lang="ru-RU" sz="1000" dirty="0" smtClean="0"/>
                     </a:p>
@@ -4406,13 +4336,13 @@
           <p:nvPr>
             <p:extLst>
               <p:ext uri="{D42A27DB-BD31-4B8C-83A1-F6EECF244321}">
-                <p14:modId xmlns:p14="http://schemas.microsoft.com/office/powerpoint/2010/main" val="1846455786"/>
+                <p14:modId xmlns:p14="http://schemas.microsoft.com/office/powerpoint/2010/main" val="2020266403"/>
               </p:ext>
             </p:extLst>
           </p:nvPr>
         </p:nvGraphicFramePr>
         <p:xfrm>
-          <a:off x="361950" y="3435897"/>
+          <a:off x="446769" y="1225077"/>
           <a:ext cx="1807029" cy="1706880"/>
         </p:xfrm>
         <a:graphic>
@@ -4691,14 +4621,316 @@
           <p:nvPr>
             <p:extLst>
               <p:ext uri="{D42A27DB-BD31-4B8C-83A1-F6EECF244321}">
-                <p14:modId xmlns:p14="http://schemas.microsoft.com/office/powerpoint/2010/main" val="1101050134"/>
+                <p14:modId xmlns:p14="http://schemas.microsoft.com/office/powerpoint/2010/main" val="2790644414"/>
               </p:ext>
             </p:extLst>
           </p:nvPr>
         </p:nvGraphicFramePr>
         <p:xfrm>
-          <a:off x="6603092" y="1098860"/>
-          <a:ext cx="1891394" cy="1706880"/>
+          <a:off x="10646228" y="134984"/>
+          <a:ext cx="1415143" cy="1341120"/>
+        </p:xfrm>
+        <a:graphic>
+          <a:graphicData uri="http://schemas.openxmlformats.org/drawingml/2006/table">
+            <a:tbl>
+              <a:tblPr firstRow="1" bandRow="1">
+                <a:tableStyleId>{073A0DAA-6AF3-43AB-8588-CEC1D06C72B9}</a:tableStyleId>
+              </a:tblPr>
+              <a:tblGrid>
+                <a:gridCol w="603176">
+                  <a:extLst>
+                    <a:ext uri="{9D8B030D-6E8A-4147-A177-3AD203B41FA5}">
+                      <a16:colId xmlns:a16="http://schemas.microsoft.com/office/drawing/2014/main" val="1143156314"/>
+                    </a:ext>
+                  </a:extLst>
+                </a:gridCol>
+                <a:gridCol w="811967">
+                  <a:extLst>
+                    <a:ext uri="{9D8B030D-6E8A-4147-A177-3AD203B41FA5}">
+                      <a16:colId xmlns:a16="http://schemas.microsoft.com/office/drawing/2014/main" val="3559744233"/>
+                    </a:ext>
+                  </a:extLst>
+                </a:gridCol>
+              </a:tblGrid>
+              <a:tr h="172578">
+                <a:tc gridSpan="2">
+                  <a:txBody>
+                    <a:bodyPr/>
+                    <a:lstStyle/>
+                    <a:p>
+                      <a:r>
+                        <a:rPr lang="en-US" sz="1000" dirty="0" smtClean="0"/>
+                        <a:t>Client</a:t>
+                      </a:r>
+                      <a:endParaRPr lang="ru-RU" sz="1000" dirty="0"/>
+                    </a:p>
+                  </a:txBody>
+                  <a:tcPr/>
+                </a:tc>
+                <a:tc hMerge="1">
+                  <a:txBody>
+                    <a:bodyPr/>
+                    <a:lstStyle/>
+                    <a:p>
+                      <a:endParaRPr lang="ru-RU" dirty="0"/>
+                    </a:p>
+                  </a:txBody>
+                  <a:tcPr/>
+                </a:tc>
+                <a:extLst>
+                  <a:ext uri="{0D108BD9-81ED-4DB2-BD59-A6C34878D82A}">
+                    <a16:rowId xmlns:a16="http://schemas.microsoft.com/office/drawing/2014/main" val="3155947702"/>
+                  </a:ext>
+                </a:extLst>
+              </a:tr>
+              <a:tr h="129433">
+                <a:tc>
+                  <a:txBody>
+                    <a:bodyPr/>
+                    <a:lstStyle/>
+                    <a:p>
+                      <a:r>
+                        <a:rPr lang="en-US" sz="600" dirty="0" err="1" smtClean="0"/>
+                        <a:t>Client_ID</a:t>
+                      </a:r>
+                      <a:endParaRPr lang="ru-RU" sz="600" dirty="0"/>
+                    </a:p>
+                  </a:txBody>
+                  <a:tcPr/>
+                </a:tc>
+                <a:tc>
+                  <a:txBody>
+                    <a:bodyPr/>
+                    <a:lstStyle/>
+                    <a:p>
+                      <a:r>
+                        <a:rPr lang="en-US" sz="600" dirty="0" err="1" smtClean="0"/>
+                        <a:t>BigInt</a:t>
+                      </a:r>
+                      <a:endParaRPr lang="ru-RU" sz="600" dirty="0"/>
+                    </a:p>
+                  </a:txBody>
+                  <a:tcPr/>
+                </a:tc>
+                <a:extLst>
+                  <a:ext uri="{0D108BD9-81ED-4DB2-BD59-A6C34878D82A}">
+                    <a16:rowId xmlns:a16="http://schemas.microsoft.com/office/drawing/2014/main" val="1056043661"/>
+                  </a:ext>
+                </a:extLst>
+              </a:tr>
+              <a:tr h="129433">
+                <a:tc>
+                  <a:txBody>
+                    <a:bodyPr/>
+                    <a:lstStyle/>
+                    <a:p>
+                      <a:r>
+                        <a:rPr lang="en-US" sz="600" dirty="0" smtClean="0"/>
+                        <a:t>Name</a:t>
+                      </a:r>
+                      <a:endParaRPr lang="ru-RU" sz="600" dirty="0"/>
+                    </a:p>
+                  </a:txBody>
+                  <a:tcPr/>
+                </a:tc>
+                <a:tc>
+                  <a:txBody>
+                    <a:bodyPr/>
+                    <a:lstStyle/>
+                    <a:p>
+                      <a:r>
+                        <a:rPr lang="en-US" sz="600" dirty="0" smtClean="0"/>
+                        <a:t>Varchar2(1000)</a:t>
+                      </a:r>
+                      <a:endParaRPr lang="ru-RU" sz="600" dirty="0"/>
+                    </a:p>
+                  </a:txBody>
+                  <a:tcPr/>
+                </a:tc>
+                <a:extLst>
+                  <a:ext uri="{0D108BD9-81ED-4DB2-BD59-A6C34878D82A}">
+                    <a16:rowId xmlns:a16="http://schemas.microsoft.com/office/drawing/2014/main" val="1091595685"/>
+                  </a:ext>
+                </a:extLst>
+              </a:tr>
+              <a:tr h="129433">
+                <a:tc>
+                  <a:txBody>
+                    <a:bodyPr/>
+                    <a:lstStyle/>
+                    <a:p>
+                      <a:pPr marL="0" marR="0" lvl="0" indent="0" algn="l" defTabSz="914400" rtl="0" eaLnBrk="1" fontAlgn="auto" latinLnBrk="0" hangingPunct="1">
+                        <a:lnSpc>
+                          <a:spcPct val="100000"/>
+                        </a:lnSpc>
+                        <a:spcBef>
+                          <a:spcPts val="0"/>
+                        </a:spcBef>
+                        <a:spcAft>
+                          <a:spcPts val="0"/>
+                        </a:spcAft>
+                        <a:buClrTx/>
+                        <a:buSzTx/>
+                        <a:buFontTx/>
+                        <a:buNone/>
+                        <a:tabLst/>
+                        <a:defRPr/>
+                      </a:pPr>
+                      <a:r>
+                        <a:rPr lang="en-US" sz="600" dirty="0" smtClean="0"/>
+                        <a:t>Phone</a:t>
+                      </a:r>
+                      <a:endParaRPr lang="ru-RU" sz="600" dirty="0" smtClean="0"/>
+                    </a:p>
+                  </a:txBody>
+                  <a:tcPr/>
+                </a:tc>
+                <a:tc>
+                  <a:txBody>
+                    <a:bodyPr/>
+                    <a:lstStyle/>
+                    <a:p>
+                      <a:r>
+                        <a:rPr lang="en-US" sz="600" dirty="0" smtClean="0"/>
+                        <a:t>Varchar2(100)</a:t>
+                      </a:r>
+                      <a:endParaRPr lang="ru-RU" sz="600" dirty="0"/>
+                    </a:p>
+                  </a:txBody>
+                  <a:tcPr/>
+                </a:tc>
+                <a:extLst>
+                  <a:ext uri="{0D108BD9-81ED-4DB2-BD59-A6C34878D82A}">
+                    <a16:rowId xmlns:a16="http://schemas.microsoft.com/office/drawing/2014/main" val="2028602120"/>
+                  </a:ext>
+                </a:extLst>
+              </a:tr>
+              <a:tr h="129433">
+                <a:tc>
+                  <a:txBody>
+                    <a:bodyPr/>
+                    <a:lstStyle/>
+                    <a:p>
+                      <a:r>
+                        <a:rPr lang="en-US" sz="600" dirty="0" smtClean="0"/>
+                        <a:t>Email</a:t>
+                      </a:r>
+                      <a:endParaRPr lang="ru-RU" sz="600" dirty="0"/>
+                    </a:p>
+                  </a:txBody>
+                  <a:tcPr/>
+                </a:tc>
+                <a:tc>
+                  <a:txBody>
+                    <a:bodyPr/>
+                    <a:lstStyle/>
+                    <a:p>
+                      <a:r>
+                        <a:rPr lang="en-US" sz="600" dirty="0" smtClean="0"/>
+                        <a:t>Varchar2(100)</a:t>
+                      </a:r>
+                      <a:endParaRPr lang="ru-RU" sz="600" dirty="0"/>
+                    </a:p>
+                  </a:txBody>
+                  <a:tcPr/>
+                </a:tc>
+                <a:extLst>
+                  <a:ext uri="{0D108BD9-81ED-4DB2-BD59-A6C34878D82A}">
+                    <a16:rowId xmlns:a16="http://schemas.microsoft.com/office/drawing/2014/main" val="58720458"/>
+                  </a:ext>
+                </a:extLst>
+              </a:tr>
+              <a:tr h="129433">
+                <a:tc>
+                  <a:txBody>
+                    <a:bodyPr/>
+                    <a:lstStyle/>
+                    <a:p>
+                      <a:r>
+                        <a:rPr lang="en-US" sz="600" dirty="0" err="1" smtClean="0"/>
+                        <a:t>External_Ref</a:t>
+                      </a:r>
+                      <a:endParaRPr lang="ru-RU" sz="600" dirty="0"/>
+                    </a:p>
+                  </a:txBody>
+                  <a:tcPr/>
+                </a:tc>
+                <a:tc>
+                  <a:txBody>
+                    <a:bodyPr/>
+                    <a:lstStyle/>
+                    <a:p>
+                      <a:r>
+                        <a:rPr lang="en-US" sz="600" dirty="0" smtClean="0"/>
+                        <a:t>Varchar2(1000)</a:t>
+                      </a:r>
+                      <a:endParaRPr lang="ru-RU" sz="600" dirty="0"/>
+                    </a:p>
+                  </a:txBody>
+                  <a:tcPr/>
+                </a:tc>
+                <a:extLst>
+                  <a:ext uri="{0D108BD9-81ED-4DB2-BD59-A6C34878D82A}">
+                    <a16:rowId xmlns:a16="http://schemas.microsoft.com/office/drawing/2014/main" val="137951564"/>
+                  </a:ext>
+                </a:extLst>
+              </a:tr>
+              <a:tr h="129433">
+                <a:tc>
+                  <a:txBody>
+                    <a:bodyPr/>
+                    <a:lstStyle/>
+                    <a:p>
+                      <a:r>
+                        <a:rPr lang="en-US" sz="600" dirty="0" smtClean="0"/>
+                        <a:t>TZ_ID</a:t>
+                      </a:r>
+                      <a:endParaRPr lang="ru-RU" sz="600" dirty="0"/>
+                    </a:p>
+                  </a:txBody>
+                  <a:tcPr/>
+                </a:tc>
+                <a:tc>
+                  <a:txBody>
+                    <a:bodyPr/>
+                    <a:lstStyle/>
+                    <a:p>
+                      <a:r>
+                        <a:rPr lang="en-US" sz="600" dirty="0" err="1" smtClean="0"/>
+                        <a:t>BigInt</a:t>
+                      </a:r>
+                      <a:endParaRPr lang="ru-RU" sz="600" dirty="0"/>
+                    </a:p>
+                  </a:txBody>
+                  <a:tcPr/>
+                </a:tc>
+                <a:extLst>
+                  <a:ext uri="{0D108BD9-81ED-4DB2-BD59-A6C34878D82A}">
+                    <a16:rowId xmlns:a16="http://schemas.microsoft.com/office/drawing/2014/main" val="2605308868"/>
+                  </a:ext>
+                </a:extLst>
+              </a:tr>
+            </a:tbl>
+          </a:graphicData>
+        </a:graphic>
+      </p:graphicFrame>
+      <p:graphicFrame>
+        <p:nvGraphicFramePr>
+          <p:cNvPr id="10" name="Table 9"/>
+          <p:cNvGraphicFramePr>
+            <a:graphicFrameLocks noGrp="1"/>
+          </p:cNvGraphicFramePr>
+          <p:nvPr>
+            <p:extLst>
+              <p:ext uri="{D42A27DB-BD31-4B8C-83A1-F6EECF244321}">
+                <p14:modId xmlns:p14="http://schemas.microsoft.com/office/powerpoint/2010/main" val="2007339681"/>
+              </p:ext>
+            </p:extLst>
+          </p:nvPr>
+        </p:nvGraphicFramePr>
+        <p:xfrm>
+          <a:off x="4863648" y="1225077"/>
+          <a:ext cx="1891394" cy="1950720"/>
         </p:xfrm>
         <a:graphic>
           <a:graphicData uri="http://schemas.openxmlformats.org/drawingml/2006/table">
@@ -4730,7 +4962,7 @@
                     <a:p>
                       <a:r>
                         <a:rPr lang="en-US" sz="1000" dirty="0" smtClean="0"/>
-                        <a:t>Client</a:t>
+                        <a:t>User</a:t>
                       </a:r>
                       <a:endParaRPr lang="ru-RU" sz="1000" dirty="0"/>
                     </a:p>
@@ -4761,7 +4993,7 @@
                     <a:p>
                       <a:r>
                         <a:rPr lang="en-US" sz="1000" dirty="0" err="1" smtClean="0"/>
-                        <a:t>Client_ID</a:t>
+                        <a:t>User_ID</a:t>
                       </a:r>
                       <a:endParaRPr lang="ru-RU" sz="1000" dirty="0"/>
                     </a:p>
@@ -4795,6 +5027,41 @@
                     <a:lstStyle/>
                     <a:p>
                       <a:r>
+                        <a:rPr lang="en-US" sz="1000" dirty="0" err="1" smtClean="0"/>
+                        <a:t>Role_ID</a:t>
+                      </a:r>
+                      <a:endParaRPr lang="ru-RU" sz="1000" dirty="0"/>
+                    </a:p>
+                  </a:txBody>
+                  <a:tcPr/>
+                </a:tc>
+                <a:tc>
+                  <a:txBody>
+                    <a:bodyPr/>
+                    <a:lstStyle/>
+                    <a:p>
+                      <a:r>
+                        <a:rPr lang="en-US" sz="1000" dirty="0" err="1" smtClean="0"/>
+                        <a:t>BigInt</a:t>
+                      </a:r>
+                      <a:endParaRPr lang="ru-RU" sz="1000" dirty="0"/>
+                    </a:p>
+                  </a:txBody>
+                  <a:tcPr/>
+                </a:tc>
+                <a:extLst>
+                  <a:ext uri="{0D108BD9-81ED-4DB2-BD59-A6C34878D82A}">
+                    <a16:rowId xmlns:a16="http://schemas.microsoft.com/office/drawing/2014/main" val="1091595685"/>
+                  </a:ext>
+                </a:extLst>
+              </a:tr>
+              <a:tr h="190943">
+                <a:tc>
+                  <a:txBody>
+                    <a:bodyPr/>
+                    <a:lstStyle/>
+                    <a:p>
+                      <a:r>
                         <a:rPr lang="en-US" sz="1000" dirty="0" smtClean="0"/>
                         <a:t>Name</a:t>
                       </a:r>
@@ -4819,11 +5086,60 @@
                 </a:tc>
                 <a:extLst>
                   <a:ext uri="{0D108BD9-81ED-4DB2-BD59-A6C34878D82A}">
-                    <a16:rowId xmlns:a16="http://schemas.microsoft.com/office/drawing/2014/main" val="1091595685"/>
+                    <a16:rowId xmlns:a16="http://schemas.microsoft.com/office/drawing/2014/main" val="137951564"/>
                   </a:ext>
                 </a:extLst>
               </a:tr>
               <a:tr h="190943">
+                <a:tc>
+                  <a:txBody>
+                    <a:bodyPr/>
+                    <a:lstStyle/>
+                    <a:p>
+                      <a:r>
+                        <a:rPr lang="en-US" sz="1000" dirty="0" smtClean="0"/>
+                        <a:t>TZ_ID</a:t>
+                      </a:r>
+                      <a:endParaRPr lang="ru-RU" sz="1000" dirty="0"/>
+                    </a:p>
+                  </a:txBody>
+                  <a:tcPr/>
+                </a:tc>
+                <a:tc>
+                  <a:txBody>
+                    <a:bodyPr/>
+                    <a:lstStyle/>
+                    <a:p>
+                      <a:r>
+                        <a:rPr lang="en-US" sz="1000" dirty="0" err="1" smtClean="0"/>
+                        <a:t>BigInt</a:t>
+                      </a:r>
+                      <a:endParaRPr lang="ru-RU" sz="1000" dirty="0"/>
+                    </a:p>
+                  </a:txBody>
+                  <a:tcPr/>
+                </a:tc>
+                <a:extLst>
+                  <a:ext uri="{0D108BD9-81ED-4DB2-BD59-A6C34878D82A}">
+                    <a16:rowId xmlns:a16="http://schemas.microsoft.com/office/drawing/2014/main" val="3332458282"/>
+                  </a:ext>
+                </a:extLst>
+              </a:tr>
+              <a:tr h="190943">
+                <a:tc>
+                  <a:txBody>
+                    <a:bodyPr/>
+                    <a:lstStyle/>
+                    <a:p>
+                      <a:r>
+                        <a:rPr lang="en-US" sz="1000" dirty="0" smtClean="0"/>
+                        <a:t>Email</a:t>
+                      </a:r>
+                      <a:endParaRPr lang="ru-RU" sz="1000" dirty="0"/>
+                    </a:p>
+                  </a:txBody>
+                  <a:tcPr/>
+                </a:tc>
                 <a:tc>
                   <a:txBody>
                     <a:bodyPr/>
@@ -4848,13 +5164,34 @@
                       </a:pPr>
                       <a:r>
                         <a:rPr lang="en-US" sz="1000" dirty="0" smtClean="0"/>
-                        <a:t>Phone</a:t>
+                        <a:t>Varchar2(100)</a:t>
                       </a:r>
                       <a:endParaRPr lang="ru-RU" sz="1000" dirty="0" smtClean="0"/>
                     </a:p>
                   </a:txBody>
                   <a:tcPr/>
                 </a:tc>
+                <a:extLst>
+                  <a:ext uri="{0D108BD9-81ED-4DB2-BD59-A6C34878D82A}">
+                    <a16:rowId xmlns:a16="http://schemas.microsoft.com/office/drawing/2014/main" val="1088799177"/>
+                  </a:ext>
+                </a:extLst>
+              </a:tr>
+              <a:tr h="190943">
+                <a:tc>
+                  <a:txBody>
+                    <a:bodyPr/>
+                    <a:lstStyle/>
+                    <a:p>
+                      <a:r>
+                        <a:rPr lang="en-US" sz="1000" dirty="0" smtClean="0"/>
+                        <a:t>Password</a:t>
+                      </a:r>
+                      <a:endParaRPr lang="ru-RU" sz="1000" dirty="0"/>
+                    </a:p>
+                  </a:txBody>
+                  <a:tcPr/>
+                </a:tc>
                 <a:tc>
                   <a:txBody>
                     <a:bodyPr/>
@@ -4871,7 +5208,7 @@
                 </a:tc>
                 <a:extLst>
                   <a:ext uri="{0D108BD9-81ED-4DB2-BD59-A6C34878D82A}">
-                    <a16:rowId xmlns:a16="http://schemas.microsoft.com/office/drawing/2014/main" val="2028602120"/>
+                    <a16:rowId xmlns:a16="http://schemas.microsoft.com/office/drawing/2014/main" val="3178837907"/>
                   </a:ext>
                 </a:extLst>
               </a:tr>
@@ -4882,78 +5219,8 @@
                     <a:lstStyle/>
                     <a:p>
                       <a:r>
-                        <a:rPr lang="en-US" sz="1000" dirty="0" smtClean="0"/>
-                        <a:t>Email</a:t>
-                      </a:r>
-                      <a:endParaRPr lang="ru-RU" sz="1000" dirty="0"/>
-                    </a:p>
-                  </a:txBody>
-                  <a:tcPr/>
-                </a:tc>
-                <a:tc>
-                  <a:txBody>
-                    <a:bodyPr/>
-                    <a:lstStyle/>
-                    <a:p>
-                      <a:r>
-                        <a:rPr lang="en-US" sz="1000" dirty="0" smtClean="0"/>
-                        <a:t>Varchar2(100)</a:t>
-                      </a:r>
-                      <a:endParaRPr lang="ru-RU" sz="1000" dirty="0"/>
-                    </a:p>
-                  </a:txBody>
-                  <a:tcPr/>
-                </a:tc>
-                <a:extLst>
-                  <a:ext uri="{0D108BD9-81ED-4DB2-BD59-A6C34878D82A}">
-                    <a16:rowId xmlns:a16="http://schemas.microsoft.com/office/drawing/2014/main" val="58720458"/>
-                  </a:ext>
-                </a:extLst>
-              </a:tr>
-              <a:tr h="190943">
-                <a:tc>
-                  <a:txBody>
-                    <a:bodyPr/>
-                    <a:lstStyle/>
-                    <a:p>
-                      <a:r>
                         <a:rPr lang="en-US" sz="1000" dirty="0" err="1" smtClean="0"/>
-                        <a:t>External_Ref</a:t>
-                      </a:r>
-                      <a:endParaRPr lang="ru-RU" sz="1000" dirty="0"/>
-                    </a:p>
-                  </a:txBody>
-                  <a:tcPr/>
-                </a:tc>
-                <a:tc>
-                  <a:txBody>
-                    <a:bodyPr/>
-                    <a:lstStyle/>
-                    <a:p>
-                      <a:r>
-                        <a:rPr lang="en-US" sz="1000" dirty="0" smtClean="0"/>
-                        <a:t>Varchar2(1000)</a:t>
-                      </a:r>
-                      <a:endParaRPr lang="ru-RU" sz="1000" dirty="0"/>
-                    </a:p>
-                  </a:txBody>
-                  <a:tcPr/>
-                </a:tc>
-                <a:extLst>
-                  <a:ext uri="{0D108BD9-81ED-4DB2-BD59-A6C34878D82A}">
-                    <a16:rowId xmlns:a16="http://schemas.microsoft.com/office/drawing/2014/main" val="137951564"/>
-                  </a:ext>
-                </a:extLst>
-              </a:tr>
-              <a:tr h="190943">
-                <a:tc>
-                  <a:txBody>
-                    <a:bodyPr/>
-                    <a:lstStyle/>
-                    <a:p>
-                      <a:r>
-                        <a:rPr lang="en-US" sz="1000" dirty="0" smtClean="0"/>
-                        <a:t>TZ_ID</a:t>
+                        <a:t>Image_ID</a:t>
                       </a:r>
                       <a:endParaRPr lang="ru-RU" sz="1000" dirty="0"/>
                     </a:p>
@@ -4976,379 +5243,7 @@
                 </a:tc>
                 <a:extLst>
                   <a:ext uri="{0D108BD9-81ED-4DB2-BD59-A6C34878D82A}">
-                    <a16:rowId xmlns:a16="http://schemas.microsoft.com/office/drawing/2014/main" val="2605308868"/>
-                  </a:ext>
-                </a:extLst>
-              </a:tr>
-            </a:tbl>
-          </a:graphicData>
-        </a:graphic>
-      </p:graphicFrame>
-      <p:graphicFrame>
-        <p:nvGraphicFramePr>
-          <p:cNvPr id="10" name="Table 9"/>
-          <p:cNvGraphicFramePr>
-            <a:graphicFrameLocks noGrp="1"/>
-          </p:cNvGraphicFramePr>
-          <p:nvPr>
-            <p:extLst>
-              <p:ext uri="{D42A27DB-BD31-4B8C-83A1-F6EECF244321}">
-                <p14:modId xmlns:p14="http://schemas.microsoft.com/office/powerpoint/2010/main" val="3136789691"/>
-              </p:ext>
-            </p:extLst>
-          </p:nvPr>
-        </p:nvGraphicFramePr>
-        <p:xfrm>
-          <a:off x="5792559" y="4351510"/>
-          <a:ext cx="1891394" cy="2194560"/>
-        </p:xfrm>
-        <a:graphic>
-          <a:graphicData uri="http://schemas.openxmlformats.org/drawingml/2006/table">
-            <a:tbl>
-              <a:tblPr firstRow="1" bandRow="1">
-                <a:tableStyleId>{5C22544A-7EE6-4342-B048-85BDC9FD1C3A}</a:tableStyleId>
-              </a:tblPr>
-              <a:tblGrid>
-                <a:gridCol w="852783">
-                  <a:extLst>
-                    <a:ext uri="{9D8B030D-6E8A-4147-A177-3AD203B41FA5}">
-                      <a16:colId xmlns:a16="http://schemas.microsoft.com/office/drawing/2014/main" val="1143156314"/>
-                    </a:ext>
-                  </a:extLst>
-                </a:gridCol>
-                <a:gridCol w="1038611">
-                  <a:extLst>
-                    <a:ext uri="{9D8B030D-6E8A-4147-A177-3AD203B41FA5}">
-                      <a16:colId xmlns:a16="http://schemas.microsoft.com/office/drawing/2014/main" val="3559744233"/>
-                    </a:ext>
-                  </a:extLst>
-                </a:gridCol>
-              </a:tblGrid>
-              <a:tr h="190943">
-                <a:tc gridSpan="2">
-                  <a:txBody>
-                    <a:bodyPr/>
-                    <a:lstStyle/>
-                    <a:p>
-                      <a:r>
-                        <a:rPr lang="en-US" sz="1000" dirty="0" smtClean="0"/>
-                        <a:t>User</a:t>
-                      </a:r>
-                      <a:endParaRPr lang="ru-RU" sz="1000" dirty="0"/>
-                    </a:p>
-                  </a:txBody>
-                  <a:tcPr/>
-                </a:tc>
-                <a:tc hMerge="1">
-                  <a:txBody>
-                    <a:bodyPr/>
-                    <a:lstStyle/>
-                    <a:p>
-                      <a:endParaRPr lang="ru-RU" dirty="0"/>
-                    </a:p>
-                  </a:txBody>
-                  <a:tcPr/>
-                </a:tc>
-                <a:extLst>
-                  <a:ext uri="{0D108BD9-81ED-4DB2-BD59-A6C34878D82A}">
-                    <a16:rowId xmlns:a16="http://schemas.microsoft.com/office/drawing/2014/main" val="3155947702"/>
-                  </a:ext>
-                </a:extLst>
-              </a:tr>
-              <a:tr h="190943">
-                <a:tc>
-                  <a:txBody>
-                    <a:bodyPr/>
-                    <a:lstStyle/>
-                    <a:p>
-                      <a:r>
-                        <a:rPr lang="en-US" sz="1000" dirty="0" err="1" smtClean="0"/>
-                        <a:t>User_ID</a:t>
-                      </a:r>
-                      <a:endParaRPr lang="ru-RU" sz="1000" dirty="0"/>
-                    </a:p>
-                  </a:txBody>
-                  <a:tcPr/>
-                </a:tc>
-                <a:tc>
-                  <a:txBody>
-                    <a:bodyPr/>
-                    <a:lstStyle/>
-                    <a:p>
-                      <a:r>
-                        <a:rPr lang="en-US" sz="1000" dirty="0" err="1" smtClean="0"/>
-                        <a:t>BigInt</a:t>
-                      </a:r>
-                      <a:endParaRPr lang="ru-RU" sz="1000" dirty="0"/>
-                    </a:p>
-                  </a:txBody>
-                  <a:tcPr/>
-                </a:tc>
-                <a:extLst>
-                  <a:ext uri="{0D108BD9-81ED-4DB2-BD59-A6C34878D82A}">
-                    <a16:rowId xmlns:a16="http://schemas.microsoft.com/office/drawing/2014/main" val="1056043661"/>
-                  </a:ext>
-                </a:extLst>
-              </a:tr>
-              <a:tr h="190943">
-                <a:tc>
-                  <a:txBody>
-                    <a:bodyPr/>
-                    <a:lstStyle/>
-                    <a:p>
-                      <a:r>
-                        <a:rPr lang="en-US" sz="1000" dirty="0" err="1" smtClean="0"/>
-                        <a:t>Role_ID</a:t>
-                      </a:r>
-                      <a:endParaRPr lang="ru-RU" sz="1000" dirty="0"/>
-                    </a:p>
-                  </a:txBody>
-                  <a:tcPr/>
-                </a:tc>
-                <a:tc>
-                  <a:txBody>
-                    <a:bodyPr/>
-                    <a:lstStyle/>
-                    <a:p>
-                      <a:r>
-                        <a:rPr lang="en-US" sz="1000" dirty="0" err="1" smtClean="0"/>
-                        <a:t>BigInt</a:t>
-                      </a:r>
-                      <a:endParaRPr lang="ru-RU" sz="1000" dirty="0"/>
-                    </a:p>
-                  </a:txBody>
-                  <a:tcPr/>
-                </a:tc>
-                <a:extLst>
-                  <a:ext uri="{0D108BD9-81ED-4DB2-BD59-A6C34878D82A}">
-                    <a16:rowId xmlns:a16="http://schemas.microsoft.com/office/drawing/2014/main" val="1091595685"/>
-                  </a:ext>
-                </a:extLst>
-              </a:tr>
-              <a:tr h="190943">
-                <a:tc>
-                  <a:txBody>
-                    <a:bodyPr/>
-                    <a:lstStyle/>
-                    <a:p>
-                      <a:r>
-                        <a:rPr lang="en-US" sz="1000" dirty="0" smtClean="0"/>
-                        <a:t>Name</a:t>
-                      </a:r>
-                      <a:endParaRPr lang="ru-RU" sz="1000" dirty="0"/>
-                    </a:p>
-                  </a:txBody>
-                  <a:tcPr/>
-                </a:tc>
-                <a:tc>
-                  <a:txBody>
-                    <a:bodyPr/>
-                    <a:lstStyle/>
-                    <a:p>
-                      <a:r>
-                        <a:rPr lang="en-US" sz="1000" dirty="0" smtClean="0"/>
-                        <a:t>Varchar2(1000)</a:t>
-                      </a:r>
-                      <a:endParaRPr lang="ru-RU" sz="1000" dirty="0"/>
-                    </a:p>
-                  </a:txBody>
-                  <a:tcPr/>
-                </a:tc>
-                <a:extLst>
-                  <a:ext uri="{0D108BD9-81ED-4DB2-BD59-A6C34878D82A}">
-                    <a16:rowId xmlns:a16="http://schemas.microsoft.com/office/drawing/2014/main" val="137951564"/>
-                  </a:ext>
-                </a:extLst>
-              </a:tr>
-              <a:tr h="190943">
-                <a:tc>
-                  <a:txBody>
-                    <a:bodyPr/>
-                    <a:lstStyle/>
-                    <a:p>
-                      <a:r>
-                        <a:rPr lang="en-US" sz="1000" dirty="0" smtClean="0"/>
-                        <a:t>TZ_ID</a:t>
-                      </a:r>
-                      <a:endParaRPr lang="ru-RU" sz="1000" dirty="0"/>
-                    </a:p>
-                  </a:txBody>
-                  <a:tcPr/>
-                </a:tc>
-                <a:tc>
-                  <a:txBody>
-                    <a:bodyPr/>
-                    <a:lstStyle/>
-                    <a:p>
-                      <a:r>
-                        <a:rPr lang="en-US" sz="1000" dirty="0" err="1" smtClean="0"/>
-                        <a:t>BigInt</a:t>
-                      </a:r>
-                      <a:endParaRPr lang="ru-RU" sz="1000" dirty="0"/>
-                    </a:p>
-                  </a:txBody>
-                  <a:tcPr/>
-                </a:tc>
-                <a:extLst>
-                  <a:ext uri="{0D108BD9-81ED-4DB2-BD59-A6C34878D82A}">
-                    <a16:rowId xmlns:a16="http://schemas.microsoft.com/office/drawing/2014/main" val="3332458282"/>
-                  </a:ext>
-                </a:extLst>
-              </a:tr>
-              <a:tr h="190943">
-                <a:tc>
-                  <a:txBody>
-                    <a:bodyPr/>
-                    <a:lstStyle/>
-                    <a:p>
-                      <a:r>
-                        <a:rPr lang="en-US" sz="1000" dirty="0" smtClean="0"/>
-                        <a:t>Email</a:t>
-                      </a:r>
-                      <a:endParaRPr lang="ru-RU" sz="1000" dirty="0"/>
-                    </a:p>
-                  </a:txBody>
-                  <a:tcPr/>
-                </a:tc>
-                <a:tc>
-                  <a:txBody>
-                    <a:bodyPr/>
-                    <a:lstStyle/>
-                    <a:p>
-                      <a:pPr marL="0" marR="0" lvl="0" indent="0" algn="l" defTabSz="914400" rtl="0" eaLnBrk="1" fontAlgn="auto" latinLnBrk="0" hangingPunct="1">
-                        <a:lnSpc>
-                          <a:spcPct val="100000"/>
-                        </a:lnSpc>
-                        <a:spcBef>
-                          <a:spcPts val="0"/>
-                        </a:spcBef>
-                        <a:spcAft>
-                          <a:spcPts val="0"/>
-                        </a:spcAft>
-                        <a:buClrTx/>
-                        <a:buSzTx/>
-                        <a:buFontTx/>
-                        <a:buNone/>
-                        <a:tabLst/>
-                        <a:defRPr/>
-                      </a:pPr>
-                      <a:r>
-                        <a:rPr lang="en-US" sz="1000" dirty="0" smtClean="0"/>
-                        <a:t>Varchar2(100)</a:t>
-                      </a:r>
-                      <a:endParaRPr lang="ru-RU" sz="1000" dirty="0" smtClean="0"/>
-                    </a:p>
-                  </a:txBody>
-                  <a:tcPr/>
-                </a:tc>
-                <a:extLst>
-                  <a:ext uri="{0D108BD9-81ED-4DB2-BD59-A6C34878D82A}">
-                    <a16:rowId xmlns:a16="http://schemas.microsoft.com/office/drawing/2014/main" val="1088799177"/>
-                  </a:ext>
-                </a:extLst>
-              </a:tr>
-              <a:tr h="190943">
-                <a:tc>
-                  <a:txBody>
-                    <a:bodyPr/>
-                    <a:lstStyle/>
-                    <a:p>
-                      <a:r>
-                        <a:rPr lang="en-US" sz="1000" dirty="0" smtClean="0"/>
-                        <a:t>Password</a:t>
-                      </a:r>
-                      <a:endParaRPr lang="ru-RU" sz="1000" dirty="0"/>
-                    </a:p>
-                  </a:txBody>
-                  <a:tcPr/>
-                </a:tc>
-                <a:tc>
-                  <a:txBody>
-                    <a:bodyPr/>
-                    <a:lstStyle/>
-                    <a:p>
-                      <a:r>
-                        <a:rPr lang="en-US" sz="1000" dirty="0" smtClean="0"/>
-                        <a:t>Varchar2(100)</a:t>
-                      </a:r>
-                      <a:endParaRPr lang="ru-RU" sz="1000" dirty="0"/>
-                    </a:p>
-                  </a:txBody>
-                  <a:tcPr/>
-                </a:tc>
-                <a:extLst>
-                  <a:ext uri="{0D108BD9-81ED-4DB2-BD59-A6C34878D82A}">
-                    <a16:rowId xmlns:a16="http://schemas.microsoft.com/office/drawing/2014/main" val="3178837907"/>
-                  </a:ext>
-                </a:extLst>
-              </a:tr>
-              <a:tr h="190943">
-                <a:tc>
-                  <a:txBody>
-                    <a:bodyPr/>
-                    <a:lstStyle/>
-                    <a:p>
-                      <a:r>
-                        <a:rPr lang="en-US" sz="1000" dirty="0" err="1" smtClean="0"/>
-                        <a:t>Image_ID</a:t>
-                      </a:r>
-                      <a:endParaRPr lang="ru-RU" sz="1000" dirty="0"/>
-                    </a:p>
-                  </a:txBody>
-                  <a:tcPr/>
-                </a:tc>
-                <a:tc>
-                  <a:txBody>
-                    <a:bodyPr/>
-                    <a:lstStyle/>
-                    <a:p>
-                      <a:r>
-                        <a:rPr lang="en-US" sz="1000" dirty="0" err="1" smtClean="0"/>
-                        <a:t>BigInt</a:t>
-                      </a:r>
-                      <a:endParaRPr lang="ru-RU" sz="1000" dirty="0"/>
-                    </a:p>
-                  </a:txBody>
-                  <a:tcPr/>
-                </a:tc>
-                <a:extLst>
-                  <a:ext uri="{0D108BD9-81ED-4DB2-BD59-A6C34878D82A}">
                     <a16:rowId xmlns:a16="http://schemas.microsoft.com/office/drawing/2014/main" val="1697887508"/>
-                  </a:ext>
-                </a:extLst>
-              </a:tr>
-              <a:tr h="190943">
-                <a:tc>
-                  <a:txBody>
-                    <a:bodyPr/>
-                    <a:lstStyle/>
-                    <a:p>
-                      <a:r>
-                        <a:rPr lang="en-US" sz="1000" dirty="0" err="1" smtClean="0"/>
-                        <a:t>Owner_ID</a:t>
-                      </a:r>
-                      <a:endParaRPr lang="ru-RU" sz="1000" dirty="0"/>
-                    </a:p>
-                  </a:txBody>
-                  <a:tcPr/>
-                </a:tc>
-                <a:tc>
-                  <a:txBody>
-                    <a:bodyPr/>
-                    <a:lstStyle/>
-                    <a:p>
-                      <a:r>
-                        <a:rPr lang="en-US" sz="1000" dirty="0" err="1" smtClean="0"/>
-                        <a:t>BigInt</a:t>
-                      </a:r>
-                      <a:endParaRPr lang="ru-RU" sz="1000" dirty="0"/>
-                    </a:p>
-                  </a:txBody>
-                  <a:tcPr/>
-                </a:tc>
-                <a:extLst>
-                  <a:ext uri="{0D108BD9-81ED-4DB2-BD59-A6C34878D82A}">
-                    <a16:rowId xmlns:a16="http://schemas.microsoft.com/office/drawing/2014/main" val="1587884550"/>
                   </a:ext>
                 </a:extLst>
               </a:tr>
@@ -5365,13 +5260,13 @@
           <p:nvPr>
             <p:extLst>
               <p:ext uri="{D42A27DB-BD31-4B8C-83A1-F6EECF244321}">
-                <p14:modId xmlns:p14="http://schemas.microsoft.com/office/powerpoint/2010/main" val="3211664852"/>
+                <p14:modId xmlns:p14="http://schemas.microsoft.com/office/powerpoint/2010/main" val="1633877358"/>
               </p:ext>
             </p:extLst>
           </p:nvPr>
         </p:nvGraphicFramePr>
         <p:xfrm>
-          <a:off x="8853713" y="1098860"/>
+          <a:off x="2613026" y="1225077"/>
           <a:ext cx="1891394" cy="975360"/>
         </p:xfrm>
         <a:graphic>
@@ -6056,13 +5951,13 @@
           <p:nvPr>
             <p:extLst>
               <p:ext uri="{D42A27DB-BD31-4B8C-83A1-F6EECF244321}">
-                <p14:modId xmlns:p14="http://schemas.microsoft.com/office/powerpoint/2010/main" val="2116178946"/>
+                <p14:modId xmlns:p14="http://schemas.microsoft.com/office/powerpoint/2010/main" val="1614940092"/>
               </p:ext>
             </p:extLst>
           </p:nvPr>
         </p:nvGraphicFramePr>
         <p:xfrm>
-          <a:off x="7891006" y="5570710"/>
+          <a:off x="9984920" y="2422561"/>
           <a:ext cx="1891394" cy="975360"/>
         </p:xfrm>
         <a:graphic>

--- a/src/main/webapp/TimeRec.pptx
+++ b/src/main/webapp/TimeRec.pptx
@@ -244,7 +244,7 @@
           <a:p>
             <a:fld id="{369B22A5-30E4-45FA-9C35-0A53E2812B5C}" type="datetimeFigureOut">
               <a:rPr lang="ru-RU" smtClean="0"/>
-              <a:t>20.06.2020</a:t>
+              <a:t>24.06.2020</a:t>
             </a:fld>
             <a:endParaRPr lang="ru-RU"/>
           </a:p>
@@ -414,7 +414,7 @@
           <a:p>
             <a:fld id="{369B22A5-30E4-45FA-9C35-0A53E2812B5C}" type="datetimeFigureOut">
               <a:rPr lang="ru-RU" smtClean="0"/>
-              <a:t>20.06.2020</a:t>
+              <a:t>24.06.2020</a:t>
             </a:fld>
             <a:endParaRPr lang="ru-RU"/>
           </a:p>
@@ -594,7 +594,7 @@
           <a:p>
             <a:fld id="{369B22A5-30E4-45FA-9C35-0A53E2812B5C}" type="datetimeFigureOut">
               <a:rPr lang="ru-RU" smtClean="0"/>
-              <a:t>20.06.2020</a:t>
+              <a:t>24.06.2020</a:t>
             </a:fld>
             <a:endParaRPr lang="ru-RU"/>
           </a:p>
@@ -764,7 +764,7 @@
           <a:p>
             <a:fld id="{369B22A5-30E4-45FA-9C35-0A53E2812B5C}" type="datetimeFigureOut">
               <a:rPr lang="ru-RU" smtClean="0"/>
-              <a:t>20.06.2020</a:t>
+              <a:t>24.06.2020</a:t>
             </a:fld>
             <a:endParaRPr lang="ru-RU"/>
           </a:p>
@@ -1010,7 +1010,7 @@
           <a:p>
             <a:fld id="{369B22A5-30E4-45FA-9C35-0A53E2812B5C}" type="datetimeFigureOut">
               <a:rPr lang="ru-RU" smtClean="0"/>
-              <a:t>20.06.2020</a:t>
+              <a:t>24.06.2020</a:t>
             </a:fld>
             <a:endParaRPr lang="ru-RU"/>
           </a:p>
@@ -1242,7 +1242,7 @@
           <a:p>
             <a:fld id="{369B22A5-30E4-45FA-9C35-0A53E2812B5C}" type="datetimeFigureOut">
               <a:rPr lang="ru-RU" smtClean="0"/>
-              <a:t>20.06.2020</a:t>
+              <a:t>24.06.2020</a:t>
             </a:fld>
             <a:endParaRPr lang="ru-RU"/>
           </a:p>
@@ -1609,7 +1609,7 @@
           <a:p>
             <a:fld id="{369B22A5-30E4-45FA-9C35-0A53E2812B5C}" type="datetimeFigureOut">
               <a:rPr lang="ru-RU" smtClean="0"/>
-              <a:t>20.06.2020</a:t>
+              <a:t>24.06.2020</a:t>
             </a:fld>
             <a:endParaRPr lang="ru-RU"/>
           </a:p>
@@ -1727,7 +1727,7 @@
           <a:p>
             <a:fld id="{369B22A5-30E4-45FA-9C35-0A53E2812B5C}" type="datetimeFigureOut">
               <a:rPr lang="ru-RU" smtClean="0"/>
-              <a:t>20.06.2020</a:t>
+              <a:t>24.06.2020</a:t>
             </a:fld>
             <a:endParaRPr lang="ru-RU"/>
           </a:p>
@@ -1822,7 +1822,7 @@
           <a:p>
             <a:fld id="{369B22A5-30E4-45FA-9C35-0A53E2812B5C}" type="datetimeFigureOut">
               <a:rPr lang="ru-RU" smtClean="0"/>
-              <a:t>20.06.2020</a:t>
+              <a:t>24.06.2020</a:t>
             </a:fld>
             <a:endParaRPr lang="ru-RU"/>
           </a:p>
@@ -2099,7 +2099,7 @@
           <a:p>
             <a:fld id="{369B22A5-30E4-45FA-9C35-0A53E2812B5C}" type="datetimeFigureOut">
               <a:rPr lang="ru-RU" smtClean="0"/>
-              <a:t>20.06.2020</a:t>
+              <a:t>24.06.2020</a:t>
             </a:fld>
             <a:endParaRPr lang="ru-RU"/>
           </a:p>
@@ -2352,7 +2352,7 @@
           <a:p>
             <a:fld id="{369B22A5-30E4-45FA-9C35-0A53E2812B5C}" type="datetimeFigureOut">
               <a:rPr lang="ru-RU" smtClean="0"/>
-              <a:t>20.06.2020</a:t>
+              <a:t>24.06.2020</a:t>
             </a:fld>
             <a:endParaRPr lang="ru-RU"/>
           </a:p>
@@ -2565,7 +2565,7 @@
           <a:p>
             <a:fld id="{369B22A5-30E4-45FA-9C35-0A53E2812B5C}" type="datetimeFigureOut">
               <a:rPr lang="ru-RU" smtClean="0"/>
-              <a:t>20.06.2020</a:t>
+              <a:t>24.06.2020</a:t>
             </a:fld>
             <a:endParaRPr lang="ru-RU"/>
           </a:p>
@@ -5951,13 +5951,13 @@
           <p:nvPr>
             <p:extLst>
               <p:ext uri="{D42A27DB-BD31-4B8C-83A1-F6EECF244321}">
-                <p14:modId xmlns:p14="http://schemas.microsoft.com/office/powerpoint/2010/main" val="1614940092"/>
+                <p14:modId xmlns:p14="http://schemas.microsoft.com/office/powerpoint/2010/main" val="677163370"/>
               </p:ext>
             </p:extLst>
           </p:nvPr>
         </p:nvGraphicFramePr>
         <p:xfrm>
-          <a:off x="9984920" y="2422561"/>
+          <a:off x="9989454" y="2461750"/>
           <a:ext cx="1891394" cy="975360"/>
         </p:xfrm>
         <a:graphic>
@@ -6091,30 +6091,30 @@
                     <a:p>
                       <a:r>
                         <a:rPr lang="en-US" sz="1000" dirty="0" err="1" smtClean="0"/>
-                        <a:t>Owner_ID</a:t>
-                      </a:r>
-                      <a:endParaRPr lang="ru-RU" sz="1000" dirty="0"/>
-                    </a:p>
-                  </a:txBody>
-                  <a:tcPr/>
-                </a:tc>
-                <a:tc>
-                  <a:txBody>
-                    <a:bodyPr/>
-                    <a:lstStyle/>
-                    <a:p>
-                      <a:r>
-                        <a:rPr lang="en-US" sz="1000" dirty="0" err="1" smtClean="0"/>
-                        <a:t>BigInt</a:t>
-                      </a:r>
-                      <a:endParaRPr lang="ru-RU" sz="1000" dirty="0"/>
-                    </a:p>
-                  </a:txBody>
-                  <a:tcPr/>
-                </a:tc>
-                <a:extLst>
-                  <a:ext uri="{0D108BD9-81ED-4DB2-BD59-A6C34878D82A}">
-                    <a16:rowId xmlns:a16="http://schemas.microsoft.com/office/drawing/2014/main" val="4159773320"/>
+                        <a:t>Is_default</a:t>
+                      </a:r>
+                      <a:endParaRPr lang="ru-RU" sz="1000" dirty="0"/>
+                    </a:p>
+                  </a:txBody>
+                  <a:tcPr/>
+                </a:tc>
+                <a:tc>
+                  <a:txBody>
+                    <a:bodyPr/>
+                    <a:lstStyle/>
+                    <a:p>
+                      <a:r>
+                        <a:rPr lang="en-US" sz="1000" dirty="0" smtClean="0"/>
+                        <a:t>Boolean</a:t>
+                      </a:r>
+                      <a:endParaRPr lang="ru-RU" sz="1000" dirty="0"/>
+                    </a:p>
+                  </a:txBody>
+                  <a:tcPr/>
+                </a:tc>
+                <a:extLst>
+                  <a:ext uri="{0D108BD9-81ED-4DB2-BD59-A6C34878D82A}">
+                    <a16:rowId xmlns:a16="http://schemas.microsoft.com/office/drawing/2014/main" val="1376686880"/>
                   </a:ext>
                 </a:extLst>
               </a:tr>
